--- a/Project Proposal/Presentation/Presentation.pptx
+++ b/Project Proposal/Presentation/Presentation.pptx
@@ -21,6 +21,8 @@
     <p:sldId id="266" r:id="rId16"/>
     <p:sldId id="267" r:id="rId17"/>
     <p:sldId id="268" r:id="rId18"/>
+    <p:sldId id="269" r:id="rId19"/>
+    <p:sldId id="270" r:id="rId20"/>
   </p:sldIdLst>
   <p:sldSz cy="5143500" cx="9144000"/>
   <p:notesSz cx="6858000" cy="9144000"/>
@@ -802,7 +804,7 @@
   <p:cSld>
     <p:spTree>
       <p:nvGrpSpPr>
-        <p:cNvPr id="104" name="Shape 104"/>
+        <p:cNvPr id="119" name="Shape 119"/>
         <p:cNvGrpSpPr/>
         <p:nvPr/>
       </p:nvGrpSpPr>
@@ -816,7 +818,7 @@
       </p:grpSpPr>
       <p:sp>
         <p:nvSpPr>
-          <p:cNvPr id="105" name="Google Shape;105;g24c38b92e80_0_57:notes"/>
+          <p:cNvPr id="120" name="Google Shape;120;g28cf365c337_0_33:notes"/>
           <p:cNvSpPr/>
           <p:nvPr>
             <p:ph idx="2" type="sldImg"/>
@@ -851,7 +853,7 @@
       </p:sp>
       <p:sp>
         <p:nvSpPr>
-          <p:cNvPr id="106" name="Google Shape;106;g24c38b92e80_0_57:notes"/>
+          <p:cNvPr id="121" name="Google Shape;121;g28cf365c337_0_33:notes"/>
           <p:cNvSpPr txBox="1"/>
           <p:nvPr>
             <p:ph idx="1" type="body"/>
@@ -901,7 +903,7 @@
   <p:cSld>
     <p:spTree>
       <p:nvGrpSpPr>
-        <p:cNvPr id="110" name="Shape 110"/>
+        <p:cNvPr id="127" name="Shape 127"/>
         <p:cNvGrpSpPr/>
         <p:nvPr/>
       </p:nvGrpSpPr>
@@ -915,7 +917,7 @@
       </p:grpSpPr>
       <p:sp>
         <p:nvSpPr>
-          <p:cNvPr id="111" name="Google Shape;111;g24c38b92e80_0_31:notes"/>
+          <p:cNvPr id="128" name="Google Shape;128;g24c38b92e80_0_21:notes"/>
           <p:cNvSpPr/>
           <p:nvPr>
             <p:ph idx="2" type="sldImg"/>
@@ -950,7 +952,7 @@
       </p:sp>
       <p:sp>
         <p:nvSpPr>
-          <p:cNvPr id="112" name="Google Shape;112;g24c38b92e80_0_31:notes"/>
+          <p:cNvPr id="129" name="Google Shape;129;g24c38b92e80_0_21:notes"/>
           <p:cNvSpPr txBox="1"/>
           <p:nvPr>
             <p:ph idx="1" type="body"/>
@@ -1000,7 +1002,7 @@
   <p:cSld>
     <p:spTree>
       <p:nvGrpSpPr>
-        <p:cNvPr id="116" name="Shape 116"/>
+        <p:cNvPr id="133" name="Shape 133"/>
         <p:cNvGrpSpPr/>
         <p:nvPr/>
       </p:nvGrpSpPr>
@@ -1014,7 +1016,7 @@
       </p:grpSpPr>
       <p:sp>
         <p:nvSpPr>
-          <p:cNvPr id="117" name="Google Shape;117;g24c38b92e80_0_36:notes"/>
+          <p:cNvPr id="134" name="Google Shape;134;g28cd5639375_1_0:notes"/>
           <p:cNvSpPr/>
           <p:nvPr>
             <p:ph idx="2" type="sldImg"/>
@@ -1049,7 +1051,7 @@
       </p:sp>
       <p:sp>
         <p:nvSpPr>
-          <p:cNvPr id="118" name="Google Shape;118;g24c38b92e80_0_36:notes"/>
+          <p:cNvPr id="135" name="Google Shape;135;g28cd5639375_1_0:notes"/>
           <p:cNvSpPr txBox="1"/>
           <p:nvPr>
             <p:ph idx="1" type="body"/>
@@ -1099,7 +1101,7 @@
   <p:cSld>
     <p:spTree>
       <p:nvGrpSpPr>
-        <p:cNvPr id="122" name="Shape 122"/>
+        <p:cNvPr id="141" name="Shape 141"/>
         <p:cNvGrpSpPr/>
         <p:nvPr/>
       </p:nvGrpSpPr>
@@ -1113,7 +1115,7 @@
       </p:grpSpPr>
       <p:sp>
         <p:nvSpPr>
-          <p:cNvPr id="123" name="Google Shape;123;g24c38b92e80_0_67:notes"/>
+          <p:cNvPr id="142" name="Google Shape;142;g24c38b92e80_0_31:notes"/>
           <p:cNvSpPr/>
           <p:nvPr>
             <p:ph idx="2" type="sldImg"/>
@@ -1148,7 +1150,7 @@
       </p:sp>
       <p:sp>
         <p:nvSpPr>
-          <p:cNvPr id="124" name="Google Shape;124;g24c38b92e80_0_67:notes"/>
+          <p:cNvPr id="143" name="Google Shape;143;g24c38b92e80_0_31:notes"/>
           <p:cNvSpPr txBox="1"/>
           <p:nvPr>
             <p:ph idx="1" type="body"/>
@@ -1193,12 +1195,12 @@
 </p:notes>
 </file>
 
-<file path=ppt/notesSlides/notesSlide2.xml><?xml version="1.0" encoding="utf-8"?>
+<file path=ppt/notesSlides/notesSlide14.xml><?xml version="1.0" encoding="utf-8"?>
 <p:notes xmlns:a="http://schemas.openxmlformats.org/drawingml/2006/main" xmlns:r="http://schemas.openxmlformats.org/officeDocument/2006/relationships" xmlns:mc="http://schemas.openxmlformats.org/markup-compatibility/2006" xmlns:mv="urn:schemas-microsoft-com:mac:vml" xmlns:p="http://schemas.openxmlformats.org/presentationml/2006/main" xmlns:c="http://schemas.openxmlformats.org/drawingml/2006/chart" xmlns:dgm="http://schemas.openxmlformats.org/drawingml/2006/diagram" xmlns:o="urn:schemas-microsoft-com:office:office" xmlns:v="urn:schemas-microsoft-com:vml" xmlns:pvml="urn:schemas-microsoft-com:office:powerpoint" xmlns:com="http://schemas.openxmlformats.org/drawingml/2006/compatibility" xmlns:p14="http://schemas.microsoft.com/office/powerpoint/2010/main" xmlns:p15="http://schemas.microsoft.com/office/powerpoint/2012/main" xmlns:ahyp="http://schemas.microsoft.com/office/drawing/2018/hyperlinkcolor" showMasterPhAnim="0" showMasterSp="0">
   <p:cSld>
     <p:spTree>
       <p:nvGrpSpPr>
-        <p:cNvPr id="56" name="Shape 56"/>
+        <p:cNvPr id="147" name="Shape 147"/>
         <p:cNvGrpSpPr/>
         <p:nvPr/>
       </p:nvGrpSpPr>
@@ -1212,7 +1214,7 @@
       </p:grpSpPr>
       <p:sp>
         <p:nvSpPr>
-          <p:cNvPr id="57" name="Google Shape;57;g24c38b92e80_0_1:notes"/>
+          <p:cNvPr id="148" name="Google Shape;148;g24c38b92e80_0_36:notes"/>
           <p:cNvSpPr/>
           <p:nvPr>
             <p:ph idx="2" type="sldImg"/>
@@ -1247,7 +1249,7 @@
       </p:sp>
       <p:sp>
         <p:nvSpPr>
-          <p:cNvPr id="58" name="Google Shape;58;g24c38b92e80_0_1:notes"/>
+          <p:cNvPr id="149" name="Google Shape;149;g24c38b92e80_0_36:notes"/>
           <p:cNvSpPr txBox="1"/>
           <p:nvPr>
             <p:ph idx="1" type="body"/>
@@ -1292,12 +1294,12 @@
 </p:notes>
 </file>
 
-<file path=ppt/notesSlides/notesSlide3.xml><?xml version="1.0" encoding="utf-8"?>
+<file path=ppt/notesSlides/notesSlide15.xml><?xml version="1.0" encoding="utf-8"?>
 <p:notes xmlns:a="http://schemas.openxmlformats.org/drawingml/2006/main" xmlns:r="http://schemas.openxmlformats.org/officeDocument/2006/relationships" xmlns:mc="http://schemas.openxmlformats.org/markup-compatibility/2006" xmlns:mv="urn:schemas-microsoft-com:mac:vml" xmlns:p="http://schemas.openxmlformats.org/presentationml/2006/main" xmlns:c="http://schemas.openxmlformats.org/drawingml/2006/chart" xmlns:dgm="http://schemas.openxmlformats.org/drawingml/2006/diagram" xmlns:o="urn:schemas-microsoft-com:office:office" xmlns:v="urn:schemas-microsoft-com:vml" xmlns:pvml="urn:schemas-microsoft-com:office:powerpoint" xmlns:com="http://schemas.openxmlformats.org/drawingml/2006/compatibility" xmlns:p14="http://schemas.microsoft.com/office/powerpoint/2010/main" xmlns:p15="http://schemas.microsoft.com/office/powerpoint/2012/main" xmlns:ahyp="http://schemas.microsoft.com/office/drawing/2018/hyperlinkcolor" showMasterPhAnim="0" showMasterSp="0">
   <p:cSld>
     <p:spTree>
       <p:nvGrpSpPr>
-        <p:cNvPr id="62" name="Shape 62"/>
+        <p:cNvPr id="153" name="Shape 153"/>
         <p:cNvGrpSpPr/>
         <p:nvPr/>
       </p:nvGrpSpPr>
@@ -1311,7 +1313,7 @@
       </p:grpSpPr>
       <p:sp>
         <p:nvSpPr>
-          <p:cNvPr id="63" name="Google Shape;63;g24c38b92e80_0_6:notes"/>
+          <p:cNvPr id="154" name="Google Shape;154;g24c38b92e80_0_67:notes"/>
           <p:cNvSpPr/>
           <p:nvPr>
             <p:ph idx="2" type="sldImg"/>
@@ -1346,7 +1348,7 @@
       </p:sp>
       <p:sp>
         <p:nvSpPr>
-          <p:cNvPr id="64" name="Google Shape;64;g24c38b92e80_0_6:notes"/>
+          <p:cNvPr id="155" name="Google Shape;155;g24c38b92e80_0_67:notes"/>
           <p:cNvSpPr txBox="1"/>
           <p:nvPr>
             <p:ph idx="1" type="body"/>
@@ -1391,12 +1393,12 @@
 </p:notes>
 </file>
 
-<file path=ppt/notesSlides/notesSlide4.xml><?xml version="1.0" encoding="utf-8"?>
+<file path=ppt/notesSlides/notesSlide2.xml><?xml version="1.0" encoding="utf-8"?>
 <p:notes xmlns:a="http://schemas.openxmlformats.org/drawingml/2006/main" xmlns:r="http://schemas.openxmlformats.org/officeDocument/2006/relationships" xmlns:mc="http://schemas.openxmlformats.org/markup-compatibility/2006" xmlns:mv="urn:schemas-microsoft-com:mac:vml" xmlns:p="http://schemas.openxmlformats.org/presentationml/2006/main" xmlns:c="http://schemas.openxmlformats.org/drawingml/2006/chart" xmlns:dgm="http://schemas.openxmlformats.org/drawingml/2006/diagram" xmlns:o="urn:schemas-microsoft-com:office:office" xmlns:v="urn:schemas-microsoft-com:vml" xmlns:pvml="urn:schemas-microsoft-com:office:powerpoint" xmlns:com="http://schemas.openxmlformats.org/drawingml/2006/compatibility" xmlns:p14="http://schemas.microsoft.com/office/powerpoint/2010/main" xmlns:p15="http://schemas.microsoft.com/office/powerpoint/2012/main" xmlns:ahyp="http://schemas.microsoft.com/office/drawing/2018/hyperlinkcolor" showMasterPhAnim="0" showMasterSp="0">
   <p:cSld>
     <p:spTree>
       <p:nvGrpSpPr>
-        <p:cNvPr id="68" name="Shape 68"/>
+        <p:cNvPr id="56" name="Shape 56"/>
         <p:cNvGrpSpPr/>
         <p:nvPr/>
       </p:nvGrpSpPr>
@@ -1410,7 +1412,7 @@
       </p:grpSpPr>
       <p:sp>
         <p:nvSpPr>
-          <p:cNvPr id="69" name="Google Shape;69;g24c38b92e80_0_11:notes"/>
+          <p:cNvPr id="57" name="Google Shape;57;g28cf365c337_0_20:notes"/>
           <p:cNvSpPr/>
           <p:nvPr>
             <p:ph idx="2" type="sldImg"/>
@@ -1445,7 +1447,7 @@
       </p:sp>
       <p:sp>
         <p:nvSpPr>
-          <p:cNvPr id="70" name="Google Shape;70;g24c38b92e80_0_11:notes"/>
+          <p:cNvPr id="58" name="Google Shape;58;g28cf365c337_0_20:notes"/>
           <p:cNvSpPr txBox="1"/>
           <p:nvPr>
             <p:ph idx="1" type="body"/>
@@ -1490,12 +1492,12 @@
 </p:notes>
 </file>
 
-<file path=ppt/notesSlides/notesSlide5.xml><?xml version="1.0" encoding="utf-8"?>
+<file path=ppt/notesSlides/notesSlide3.xml><?xml version="1.0" encoding="utf-8"?>
 <p:notes xmlns:a="http://schemas.openxmlformats.org/drawingml/2006/main" xmlns:r="http://schemas.openxmlformats.org/officeDocument/2006/relationships" xmlns:mc="http://schemas.openxmlformats.org/markup-compatibility/2006" xmlns:mv="urn:schemas-microsoft-com:mac:vml" xmlns:p="http://schemas.openxmlformats.org/presentationml/2006/main" xmlns:c="http://schemas.openxmlformats.org/drawingml/2006/chart" xmlns:dgm="http://schemas.openxmlformats.org/drawingml/2006/diagram" xmlns:o="urn:schemas-microsoft-com:office:office" xmlns:v="urn:schemas-microsoft-com:vml" xmlns:pvml="urn:schemas-microsoft-com:office:powerpoint" xmlns:com="http://schemas.openxmlformats.org/drawingml/2006/compatibility" xmlns:p14="http://schemas.microsoft.com/office/powerpoint/2010/main" xmlns:p15="http://schemas.microsoft.com/office/powerpoint/2012/main" xmlns:ahyp="http://schemas.microsoft.com/office/drawing/2018/hyperlinkcolor" showMasterPhAnim="0" showMasterSp="0">
   <p:cSld>
     <p:spTree>
       <p:nvGrpSpPr>
-        <p:cNvPr id="74" name="Shape 74"/>
+        <p:cNvPr id="64" name="Shape 64"/>
         <p:cNvGrpSpPr/>
         <p:nvPr/>
       </p:nvGrpSpPr>
@@ -1509,7 +1511,7 @@
       </p:grpSpPr>
       <p:sp>
         <p:nvSpPr>
-          <p:cNvPr id="75" name="Google Shape;75;g24c38b92e80_0_16:notes"/>
+          <p:cNvPr id="65" name="Google Shape;65;g24c38b92e80_0_6:notes"/>
           <p:cNvSpPr/>
           <p:nvPr>
             <p:ph idx="2" type="sldImg"/>
@@ -1544,7 +1546,7 @@
       </p:sp>
       <p:sp>
         <p:nvSpPr>
-          <p:cNvPr id="76" name="Google Shape;76;g24c38b92e80_0_16:notes"/>
+          <p:cNvPr id="66" name="Google Shape;66;g24c38b92e80_0_6:notes"/>
           <p:cNvSpPr txBox="1"/>
           <p:nvPr>
             <p:ph idx="1" type="body"/>
@@ -1589,12 +1591,12 @@
 </p:notes>
 </file>
 
-<file path=ppt/notesSlides/notesSlide6.xml><?xml version="1.0" encoding="utf-8"?>
+<file path=ppt/notesSlides/notesSlide4.xml><?xml version="1.0" encoding="utf-8"?>
 <p:notes xmlns:a="http://schemas.openxmlformats.org/drawingml/2006/main" xmlns:r="http://schemas.openxmlformats.org/officeDocument/2006/relationships" xmlns:mc="http://schemas.openxmlformats.org/markup-compatibility/2006" xmlns:mv="urn:schemas-microsoft-com:mac:vml" xmlns:p="http://schemas.openxmlformats.org/presentationml/2006/main" xmlns:c="http://schemas.openxmlformats.org/drawingml/2006/chart" xmlns:dgm="http://schemas.openxmlformats.org/drawingml/2006/diagram" xmlns:o="urn:schemas-microsoft-com:office:office" xmlns:v="urn:schemas-microsoft-com:vml" xmlns:pvml="urn:schemas-microsoft-com:office:powerpoint" xmlns:com="http://schemas.openxmlformats.org/drawingml/2006/compatibility" xmlns:p14="http://schemas.microsoft.com/office/powerpoint/2010/main" xmlns:p15="http://schemas.microsoft.com/office/powerpoint/2012/main" xmlns:ahyp="http://schemas.microsoft.com/office/drawing/2018/hyperlinkcolor" showMasterPhAnim="0" showMasterSp="0">
   <p:cSld>
     <p:spTree>
       <p:nvGrpSpPr>
-        <p:cNvPr id="80" name="Shape 80"/>
+        <p:cNvPr id="71" name="Shape 71"/>
         <p:cNvGrpSpPr/>
         <p:nvPr/>
       </p:nvGrpSpPr>
@@ -1608,7 +1610,7 @@
       </p:grpSpPr>
       <p:sp>
         <p:nvSpPr>
-          <p:cNvPr id="81" name="Google Shape;81;g24c3873526c_3_0:notes"/>
+          <p:cNvPr id="72" name="Google Shape;72;g28c5f1a82cb_1_1:notes"/>
           <p:cNvSpPr/>
           <p:nvPr>
             <p:ph idx="2" type="sldImg"/>
@@ -1643,7 +1645,7 @@
       </p:sp>
       <p:sp>
         <p:nvSpPr>
-          <p:cNvPr id="82" name="Google Shape;82;g24c3873526c_3_0:notes"/>
+          <p:cNvPr id="73" name="Google Shape;73;g28c5f1a82cb_1_1:notes"/>
           <p:cNvSpPr txBox="1"/>
           <p:nvPr>
             <p:ph idx="1" type="body"/>
@@ -1688,12 +1690,12 @@
 </p:notes>
 </file>
 
-<file path=ppt/notesSlides/notesSlide7.xml><?xml version="1.0" encoding="utf-8"?>
+<file path=ppt/notesSlides/notesSlide5.xml><?xml version="1.0" encoding="utf-8"?>
 <p:notes xmlns:a="http://schemas.openxmlformats.org/drawingml/2006/main" xmlns:r="http://schemas.openxmlformats.org/officeDocument/2006/relationships" xmlns:mc="http://schemas.openxmlformats.org/markup-compatibility/2006" xmlns:mv="urn:schemas-microsoft-com:mac:vml" xmlns:p="http://schemas.openxmlformats.org/presentationml/2006/main" xmlns:c="http://schemas.openxmlformats.org/drawingml/2006/chart" xmlns:dgm="http://schemas.openxmlformats.org/drawingml/2006/diagram" xmlns:o="urn:schemas-microsoft-com:office:office" xmlns:v="urn:schemas-microsoft-com:vml" xmlns:pvml="urn:schemas-microsoft-com:office:powerpoint" xmlns:com="http://schemas.openxmlformats.org/drawingml/2006/compatibility" xmlns:p14="http://schemas.microsoft.com/office/powerpoint/2010/main" xmlns:p15="http://schemas.microsoft.com/office/powerpoint/2012/main" xmlns:ahyp="http://schemas.microsoft.com/office/drawing/2018/hyperlinkcolor" showMasterPhAnim="0" showMasterSp="0">
   <p:cSld>
     <p:spTree>
       <p:nvGrpSpPr>
-        <p:cNvPr id="86" name="Shape 86"/>
+        <p:cNvPr id="79" name="Shape 79"/>
         <p:cNvGrpSpPr/>
         <p:nvPr/>
       </p:nvGrpSpPr>
@@ -1707,7 +1709,7 @@
       </p:grpSpPr>
       <p:sp>
         <p:nvSpPr>
-          <p:cNvPr id="87" name="Google Shape;87;g24c38b92e80_0_21:notes"/>
+          <p:cNvPr id="80" name="Google Shape;80;g24c38b92e80_0_16:notes"/>
           <p:cNvSpPr/>
           <p:nvPr>
             <p:ph idx="2" type="sldImg"/>
@@ -1742,7 +1744,7 @@
       </p:sp>
       <p:sp>
         <p:nvSpPr>
-          <p:cNvPr id="88" name="Google Shape;88;g24c38b92e80_0_21:notes"/>
+          <p:cNvPr id="81" name="Google Shape;81;g24c38b92e80_0_16:notes"/>
           <p:cNvSpPr txBox="1"/>
           <p:nvPr>
             <p:ph idx="1" type="body"/>
@@ -1787,12 +1789,12 @@
 </p:notes>
 </file>
 
-<file path=ppt/notesSlides/notesSlide8.xml><?xml version="1.0" encoding="utf-8"?>
+<file path=ppt/notesSlides/notesSlide6.xml><?xml version="1.0" encoding="utf-8"?>
 <p:notes xmlns:a="http://schemas.openxmlformats.org/drawingml/2006/main" xmlns:r="http://schemas.openxmlformats.org/officeDocument/2006/relationships" xmlns:mc="http://schemas.openxmlformats.org/markup-compatibility/2006" xmlns:mv="urn:schemas-microsoft-com:mac:vml" xmlns:p="http://schemas.openxmlformats.org/presentationml/2006/main" xmlns:c="http://schemas.openxmlformats.org/drawingml/2006/chart" xmlns:dgm="http://schemas.openxmlformats.org/drawingml/2006/diagram" xmlns:o="urn:schemas-microsoft-com:office:office" xmlns:v="urn:schemas-microsoft-com:vml" xmlns:pvml="urn:schemas-microsoft-com:office:powerpoint" xmlns:com="http://schemas.openxmlformats.org/drawingml/2006/compatibility" xmlns:p14="http://schemas.microsoft.com/office/powerpoint/2010/main" xmlns:p15="http://schemas.microsoft.com/office/powerpoint/2012/main" xmlns:ahyp="http://schemas.microsoft.com/office/drawing/2018/hyperlinkcolor" showMasterPhAnim="0" showMasterSp="0">
   <p:cSld>
     <p:spTree>
       <p:nvGrpSpPr>
-        <p:cNvPr id="92" name="Shape 92"/>
+        <p:cNvPr id="87" name="Shape 87"/>
         <p:cNvGrpSpPr/>
         <p:nvPr/>
       </p:nvGrpSpPr>
@@ -1806,7 +1808,7 @@
       </p:grpSpPr>
       <p:sp>
         <p:nvSpPr>
-          <p:cNvPr id="93" name="Google Shape;93;g24c38b92e80_0_26:notes"/>
+          <p:cNvPr id="88" name="Google Shape;88;g28cf365c4ef_0_0:notes"/>
           <p:cNvSpPr/>
           <p:nvPr>
             <p:ph idx="2" type="sldImg"/>
@@ -1841,7 +1843,7 @@
       </p:sp>
       <p:sp>
         <p:nvSpPr>
-          <p:cNvPr id="94" name="Google Shape;94;g24c38b92e80_0_26:notes"/>
+          <p:cNvPr id="89" name="Google Shape;89;g28cf365c4ef_0_0:notes"/>
           <p:cNvSpPr txBox="1"/>
           <p:nvPr>
             <p:ph idx="1" type="body"/>
@@ -1886,12 +1888,12 @@
 </p:notes>
 </file>
 
-<file path=ppt/notesSlides/notesSlide9.xml><?xml version="1.0" encoding="utf-8"?>
+<file path=ppt/notesSlides/notesSlide7.xml><?xml version="1.0" encoding="utf-8"?>
 <p:notes xmlns:a="http://schemas.openxmlformats.org/drawingml/2006/main" xmlns:r="http://schemas.openxmlformats.org/officeDocument/2006/relationships" xmlns:mc="http://schemas.openxmlformats.org/markup-compatibility/2006" xmlns:mv="urn:schemas-microsoft-com:mac:vml" xmlns:p="http://schemas.openxmlformats.org/presentationml/2006/main" xmlns:c="http://schemas.openxmlformats.org/drawingml/2006/chart" xmlns:dgm="http://schemas.openxmlformats.org/drawingml/2006/diagram" xmlns:o="urn:schemas-microsoft-com:office:office" xmlns:v="urn:schemas-microsoft-com:vml" xmlns:pvml="urn:schemas-microsoft-com:office:powerpoint" xmlns:com="http://schemas.openxmlformats.org/drawingml/2006/compatibility" xmlns:p14="http://schemas.microsoft.com/office/powerpoint/2010/main" xmlns:p15="http://schemas.microsoft.com/office/powerpoint/2012/main" xmlns:ahyp="http://schemas.microsoft.com/office/drawing/2018/hyperlinkcolor" showMasterPhAnim="0" showMasterSp="0">
   <p:cSld>
     <p:spTree>
       <p:nvGrpSpPr>
-        <p:cNvPr id="98" name="Shape 98"/>
+        <p:cNvPr id="95" name="Shape 95"/>
         <p:cNvGrpSpPr/>
         <p:nvPr/>
       </p:nvGrpSpPr>
@@ -1905,7 +1907,7 @@
       </p:grpSpPr>
       <p:sp>
         <p:nvSpPr>
-          <p:cNvPr id="99" name="Google Shape;99;g24c3873526c_3_5:notes"/>
+          <p:cNvPr id="96" name="Google Shape;96;g28cf365c4ef_0_5:notes"/>
           <p:cNvSpPr/>
           <p:nvPr>
             <p:ph idx="2" type="sldImg"/>
@@ -1940,7 +1942,205 @@
       </p:sp>
       <p:sp>
         <p:nvSpPr>
-          <p:cNvPr id="100" name="Google Shape;100;g24c3873526c_3_5:notes"/>
+          <p:cNvPr id="97" name="Google Shape;97;g28cf365c4ef_0_5:notes"/>
+          <p:cNvSpPr txBox="1"/>
+          <p:nvPr>
+            <p:ph idx="1" type="body"/>
+          </p:nvPr>
+        </p:nvSpPr>
+        <p:spPr>
+          <a:xfrm>
+            <a:off x="685800" y="4343400"/>
+            <a:ext cx="5486400" cy="4114800"/>
+          </a:xfrm>
+          <a:prstGeom prst="rect">
+            <a:avLst/>
+          </a:prstGeom>
+        </p:spPr>
+        <p:txBody>
+          <a:bodyPr anchorCtr="0" anchor="t" bIns="91425" lIns="91425" spcFirstLastPara="1" rIns="91425" wrap="square" tIns="91425">
+            <a:noAutofit/>
+          </a:bodyPr>
+          <a:lstStyle/>
+          <a:p>
+            <a:pPr indent="0" lvl="0" marL="0" rtl="0" algn="l">
+              <a:spcBef>
+                <a:spcPts val="0"/>
+              </a:spcBef>
+              <a:spcAft>
+                <a:spcPts val="0"/>
+              </a:spcAft>
+              <a:buNone/>
+            </a:pPr>
+            <a:r>
+              <a:t/>
+            </a:r>
+            <a:endParaRPr/>
+          </a:p>
+        </p:txBody>
+      </p:sp>
+    </p:spTree>
+  </p:cSld>
+  <p:clrMapOvr>
+    <a:masterClrMapping/>
+  </p:clrMapOvr>
+</p:notes>
+</file>
+
+<file path=ppt/notesSlides/notesSlide8.xml><?xml version="1.0" encoding="utf-8"?>
+<p:notes xmlns:a="http://schemas.openxmlformats.org/drawingml/2006/main" xmlns:r="http://schemas.openxmlformats.org/officeDocument/2006/relationships" xmlns:mc="http://schemas.openxmlformats.org/markup-compatibility/2006" xmlns:mv="urn:schemas-microsoft-com:mac:vml" xmlns:p="http://schemas.openxmlformats.org/presentationml/2006/main" xmlns:c="http://schemas.openxmlformats.org/drawingml/2006/chart" xmlns:dgm="http://schemas.openxmlformats.org/drawingml/2006/diagram" xmlns:o="urn:schemas-microsoft-com:office:office" xmlns:v="urn:schemas-microsoft-com:vml" xmlns:pvml="urn:schemas-microsoft-com:office:powerpoint" xmlns:com="http://schemas.openxmlformats.org/drawingml/2006/compatibility" xmlns:p14="http://schemas.microsoft.com/office/powerpoint/2010/main" xmlns:p15="http://schemas.microsoft.com/office/powerpoint/2012/main" xmlns:ahyp="http://schemas.microsoft.com/office/drawing/2018/hyperlinkcolor" showMasterPhAnim="0" showMasterSp="0">
+  <p:cSld>
+    <p:spTree>
+      <p:nvGrpSpPr>
+        <p:cNvPr id="103" name="Shape 103"/>
+        <p:cNvGrpSpPr/>
+        <p:nvPr/>
+      </p:nvGrpSpPr>
+      <p:grpSpPr>
+        <a:xfrm>
+          <a:off x="0" y="0"/>
+          <a:ext cx="0" cy="0"/>
+          <a:chOff x="0" y="0"/>
+          <a:chExt cx="0" cy="0"/>
+        </a:xfrm>
+      </p:grpSpPr>
+      <p:sp>
+        <p:nvSpPr>
+          <p:cNvPr id="104" name="Google Shape;104;g24c3873526c_3_0:notes"/>
+          <p:cNvSpPr/>
+          <p:nvPr>
+            <p:ph idx="2" type="sldImg"/>
+          </p:nvPr>
+        </p:nvSpPr>
+        <p:spPr>
+          <a:xfrm>
+            <a:off x="381300" y="685800"/>
+            <a:ext cx="6096000" cy="3429000"/>
+          </a:xfrm>
+          <a:custGeom>
+            <a:rect b="b" l="l" r="r" t="t"/>
+            <a:pathLst>
+              <a:path extrusionOk="0" h="120000" w="120000">
+                <a:moveTo>
+                  <a:pt x="0" y="0"/>
+                </a:moveTo>
+                <a:lnTo>
+                  <a:pt x="120000" y="0"/>
+                </a:lnTo>
+                <a:lnTo>
+                  <a:pt x="120000" y="120000"/>
+                </a:lnTo>
+                <a:lnTo>
+                  <a:pt x="0" y="120000"/>
+                </a:lnTo>
+                <a:close/>
+              </a:path>
+            </a:pathLst>
+          </a:custGeom>
+        </p:spPr>
+      </p:sp>
+      <p:sp>
+        <p:nvSpPr>
+          <p:cNvPr id="105" name="Google Shape;105;g24c3873526c_3_0:notes"/>
+          <p:cNvSpPr txBox="1"/>
+          <p:nvPr>
+            <p:ph idx="1" type="body"/>
+          </p:nvPr>
+        </p:nvSpPr>
+        <p:spPr>
+          <a:xfrm>
+            <a:off x="685800" y="4343400"/>
+            <a:ext cx="5486400" cy="4114800"/>
+          </a:xfrm>
+          <a:prstGeom prst="rect">
+            <a:avLst/>
+          </a:prstGeom>
+        </p:spPr>
+        <p:txBody>
+          <a:bodyPr anchorCtr="0" anchor="t" bIns="91425" lIns="91425" spcFirstLastPara="1" rIns="91425" wrap="square" tIns="91425">
+            <a:noAutofit/>
+          </a:bodyPr>
+          <a:lstStyle/>
+          <a:p>
+            <a:pPr indent="0" lvl="0" marL="0" rtl="0" algn="l">
+              <a:spcBef>
+                <a:spcPts val="0"/>
+              </a:spcBef>
+              <a:spcAft>
+                <a:spcPts val="0"/>
+              </a:spcAft>
+              <a:buNone/>
+            </a:pPr>
+            <a:r>
+              <a:t/>
+            </a:r>
+            <a:endParaRPr/>
+          </a:p>
+        </p:txBody>
+      </p:sp>
+    </p:spTree>
+  </p:cSld>
+  <p:clrMapOvr>
+    <a:masterClrMapping/>
+  </p:clrMapOvr>
+</p:notes>
+</file>
+
+<file path=ppt/notesSlides/notesSlide9.xml><?xml version="1.0" encoding="utf-8"?>
+<p:notes xmlns:a="http://schemas.openxmlformats.org/drawingml/2006/main" xmlns:r="http://schemas.openxmlformats.org/officeDocument/2006/relationships" xmlns:mc="http://schemas.openxmlformats.org/markup-compatibility/2006" xmlns:mv="urn:schemas-microsoft-com:mac:vml" xmlns:p="http://schemas.openxmlformats.org/presentationml/2006/main" xmlns:c="http://schemas.openxmlformats.org/drawingml/2006/chart" xmlns:dgm="http://schemas.openxmlformats.org/drawingml/2006/diagram" xmlns:o="urn:schemas-microsoft-com:office:office" xmlns:v="urn:schemas-microsoft-com:vml" xmlns:pvml="urn:schemas-microsoft-com:office:powerpoint" xmlns:com="http://schemas.openxmlformats.org/drawingml/2006/compatibility" xmlns:p14="http://schemas.microsoft.com/office/powerpoint/2010/main" xmlns:p15="http://schemas.microsoft.com/office/powerpoint/2012/main" xmlns:ahyp="http://schemas.microsoft.com/office/drawing/2018/hyperlinkcolor" showMasterPhAnim="0" showMasterSp="0">
+  <p:cSld>
+    <p:spTree>
+      <p:nvGrpSpPr>
+        <p:cNvPr id="111" name="Shape 111"/>
+        <p:cNvGrpSpPr/>
+        <p:nvPr/>
+      </p:nvGrpSpPr>
+      <p:grpSpPr>
+        <a:xfrm>
+          <a:off x="0" y="0"/>
+          <a:ext cx="0" cy="0"/>
+          <a:chOff x="0" y="0"/>
+          <a:chExt cx="0" cy="0"/>
+        </a:xfrm>
+      </p:grpSpPr>
+      <p:sp>
+        <p:nvSpPr>
+          <p:cNvPr id="112" name="Google Shape;112;g28cf365c4ef_0_10:notes"/>
+          <p:cNvSpPr/>
+          <p:nvPr>
+            <p:ph idx="2" type="sldImg"/>
+          </p:nvPr>
+        </p:nvSpPr>
+        <p:spPr>
+          <a:xfrm>
+            <a:off x="381300" y="685800"/>
+            <a:ext cx="6096000" cy="3429000"/>
+          </a:xfrm>
+          <a:custGeom>
+            <a:rect b="b" l="l" r="r" t="t"/>
+            <a:pathLst>
+              <a:path extrusionOk="0" h="120000" w="120000">
+                <a:moveTo>
+                  <a:pt x="0" y="0"/>
+                </a:moveTo>
+                <a:lnTo>
+                  <a:pt x="120000" y="0"/>
+                </a:lnTo>
+                <a:lnTo>
+                  <a:pt x="120000" y="120000"/>
+                </a:lnTo>
+                <a:lnTo>
+                  <a:pt x="0" y="120000"/>
+                </a:lnTo>
+                <a:close/>
+              </a:path>
+            </a:pathLst>
+          </a:custGeom>
+        </p:spPr>
+      </p:sp>
+      <p:sp>
+        <p:nvSpPr>
+          <p:cNvPr id="113" name="Google Shape;113;g28cf365c4ef_0_10:notes"/>
           <p:cNvSpPr txBox="1"/>
           <p:nvPr>
             <p:ph idx="1" type="body"/>
@@ -6684,10 +6884,18 @@
               <a:buNone/>
             </a:pPr>
             <a:r>
-              <a:rPr lang="en-GB"/>
-              <a:t>Project Title</a:t>
-            </a:r>
-            <a:endParaRPr/>
+              <a:rPr b="1" lang="en-GB">
+                <a:solidFill>
+                  <a:srgbClr val="6FB457"/>
+                </a:solidFill>
+              </a:rPr>
+              <a:t>Wasail</a:t>
+            </a:r>
+            <a:endParaRPr b="1">
+              <a:solidFill>
+                <a:srgbClr val="6FB457"/>
+              </a:solidFill>
+            </a:endParaRPr>
           </a:p>
         </p:txBody>
       </p:sp>
@@ -6760,7 +6968,7 @@
   <p:cSld>
     <p:spTree>
       <p:nvGrpSpPr>
-        <p:cNvPr id="107" name="Shape 107"/>
+        <p:cNvPr id="122" name="Shape 122"/>
         <p:cNvGrpSpPr/>
         <p:nvPr/>
       </p:nvGrpSpPr>
@@ -6774,7 +6982,306 @@
       </p:grpSpPr>
       <p:sp>
         <p:nvSpPr>
-          <p:cNvPr id="108" name="Google Shape;108;p22"/>
+          <p:cNvPr id="123" name="Google Shape;123;p22"/>
+          <p:cNvSpPr txBox="1"/>
+          <p:nvPr>
+            <p:ph type="title"/>
+          </p:nvPr>
+        </p:nvSpPr>
+        <p:spPr>
+          <a:xfrm>
+            <a:off x="311700" y="434450"/>
+            <a:ext cx="8520600" cy="572700"/>
+          </a:xfrm>
+          <a:prstGeom prst="rect">
+            <a:avLst/>
+          </a:prstGeom>
+        </p:spPr>
+        <p:txBody>
+          <a:bodyPr anchorCtr="0" anchor="t" bIns="91425" lIns="91425" spcFirstLastPara="1" rIns="91425" wrap="square" tIns="91425">
+            <a:normAutofit fontScale="90000"/>
+          </a:bodyPr>
+          <a:lstStyle/>
+          <a:p>
+            <a:pPr indent="0" lvl="0" marL="0" rtl="0" algn="l">
+              <a:spcBef>
+                <a:spcPts val="0"/>
+              </a:spcBef>
+              <a:spcAft>
+                <a:spcPts val="0"/>
+              </a:spcAft>
+              <a:buNone/>
+            </a:pPr>
+            <a:r>
+              <a:rPr b="1" lang="en-GB">
+                <a:solidFill>
+                  <a:srgbClr val="6FB457"/>
+                </a:solidFill>
+              </a:rPr>
+              <a:t>Order Placement </a:t>
+            </a:r>
+            <a:r>
+              <a:rPr b="1" lang="en-GB">
+                <a:solidFill>
+                  <a:srgbClr val="8BC478"/>
+                </a:solidFill>
+              </a:rPr>
+              <a:t>and Tracking</a:t>
+            </a:r>
+            <a:endParaRPr b="1">
+              <a:solidFill>
+                <a:srgbClr val="8BC478"/>
+              </a:solidFill>
+            </a:endParaRPr>
+          </a:p>
+        </p:txBody>
+      </p:sp>
+      <p:sp>
+        <p:nvSpPr>
+          <p:cNvPr id="124" name="Google Shape;124;p22"/>
+          <p:cNvSpPr txBox="1"/>
+          <p:nvPr>
+            <p:ph idx="1" type="body"/>
+          </p:nvPr>
+        </p:nvSpPr>
+        <p:spPr>
+          <a:xfrm>
+            <a:off x="311700" y="1152475"/>
+            <a:ext cx="8520600" cy="3416400"/>
+          </a:xfrm>
+          <a:prstGeom prst="rect">
+            <a:avLst/>
+          </a:prstGeom>
+        </p:spPr>
+        <p:txBody>
+          <a:bodyPr anchorCtr="0" anchor="t" bIns="91425" lIns="91425" spcFirstLastPara="1" rIns="91425" wrap="square" tIns="91425">
+            <a:normAutofit/>
+          </a:bodyPr>
+          <a:lstStyle/>
+          <a:p>
+            <a:pPr indent="0" lvl="0" marL="0" rtl="0" algn="l">
+              <a:spcBef>
+                <a:spcPts val="0"/>
+              </a:spcBef>
+              <a:spcAft>
+                <a:spcPts val="0"/>
+              </a:spcAft>
+              <a:buNone/>
+            </a:pPr>
+            <a:r>
+              <a:rPr lang="en-GB"/>
+              <a:t>Order Placement</a:t>
+            </a:r>
+            <a:endParaRPr/>
+          </a:p>
+          <a:p>
+            <a:pPr indent="-342900" lvl="0" marL="457200" rtl="0" algn="l">
+              <a:spcBef>
+                <a:spcPts val="1200"/>
+              </a:spcBef>
+              <a:spcAft>
+                <a:spcPts val="0"/>
+              </a:spcAft>
+              <a:buSzPts val="1800"/>
+              <a:buChar char="●"/>
+            </a:pPr>
+            <a:r>
+              <a:rPr lang="en-GB"/>
+              <a:t>Vendor Selection</a:t>
+            </a:r>
+            <a:endParaRPr/>
+          </a:p>
+          <a:p>
+            <a:pPr indent="-342900" lvl="0" marL="457200" rtl="0" algn="l">
+              <a:spcBef>
+                <a:spcPts val="0"/>
+              </a:spcBef>
+              <a:spcAft>
+                <a:spcPts val="0"/>
+              </a:spcAft>
+              <a:buSzPts val="1800"/>
+              <a:buChar char="●"/>
+            </a:pPr>
+            <a:r>
+              <a:rPr lang="en-GB"/>
+              <a:t>Product Selection</a:t>
+            </a:r>
+            <a:endParaRPr/>
+          </a:p>
+          <a:p>
+            <a:pPr indent="-342900" lvl="0" marL="457200" rtl="0" algn="l">
+              <a:spcBef>
+                <a:spcPts val="0"/>
+              </a:spcBef>
+              <a:spcAft>
+                <a:spcPts val="0"/>
+              </a:spcAft>
+              <a:buSzPts val="1800"/>
+              <a:buChar char="●"/>
+            </a:pPr>
+            <a:r>
+              <a:rPr lang="en-GB"/>
+              <a:t>Quantity Selection</a:t>
+            </a:r>
+            <a:endParaRPr/>
+          </a:p>
+          <a:p>
+            <a:pPr indent="0" lvl="0" marL="0" rtl="0" algn="l">
+              <a:spcBef>
+                <a:spcPts val="1200"/>
+              </a:spcBef>
+              <a:spcAft>
+                <a:spcPts val="0"/>
+              </a:spcAft>
+              <a:buNone/>
+            </a:pPr>
+            <a:r>
+              <a:rPr lang="en-GB"/>
+              <a:t>Order Tracking</a:t>
+            </a:r>
+            <a:endParaRPr/>
+          </a:p>
+          <a:p>
+            <a:pPr indent="-342900" lvl="0" marL="457200" rtl="0" algn="l">
+              <a:spcBef>
+                <a:spcPts val="1200"/>
+              </a:spcBef>
+              <a:spcAft>
+                <a:spcPts val="0"/>
+              </a:spcAft>
+              <a:buSzPts val="1800"/>
+              <a:buChar char="●"/>
+            </a:pPr>
+            <a:r>
+              <a:rPr lang="en-GB"/>
+              <a:t>Order Queue</a:t>
+            </a:r>
+            <a:endParaRPr/>
+          </a:p>
+          <a:p>
+            <a:pPr indent="-342900" lvl="0" marL="457200" rtl="0" algn="l">
+              <a:spcBef>
+                <a:spcPts val="0"/>
+              </a:spcBef>
+              <a:spcAft>
+                <a:spcPts val="0"/>
+              </a:spcAft>
+              <a:buSzPts val="1800"/>
+              <a:buChar char="●"/>
+            </a:pPr>
+            <a:r>
+              <a:rPr lang="en-GB"/>
+              <a:t>Live Delivery Tracking</a:t>
+            </a:r>
+            <a:endParaRPr/>
+          </a:p>
+        </p:txBody>
+      </p:sp>
+      <p:pic>
+        <p:nvPicPr>
+          <p:cNvPr id="125" name="Google Shape;125;p22"/>
+          <p:cNvPicPr preferRelativeResize="0"/>
+          <p:nvPr/>
+        </p:nvPicPr>
+        <p:blipFill>
+          <a:blip r:embed="rId3">
+            <a:alphaModFix/>
+          </a:blip>
+          <a:stretch>
+            <a:fillRect/>
+          </a:stretch>
+        </p:blipFill>
+        <p:spPr>
+          <a:xfrm>
+            <a:off x="5742641" y="0"/>
+            <a:ext cx="2893219" cy="5143501"/>
+          </a:xfrm>
+          <a:prstGeom prst="rect">
+            <a:avLst/>
+          </a:prstGeom>
+          <a:noFill/>
+          <a:ln>
+            <a:noFill/>
+          </a:ln>
+        </p:spPr>
+      </p:pic>
+      <p:sp>
+        <p:nvSpPr>
+          <p:cNvPr id="126" name="Google Shape;126;p22"/>
+          <p:cNvSpPr/>
+          <p:nvPr/>
+        </p:nvSpPr>
+        <p:spPr>
+          <a:xfrm>
+            <a:off x="8452675" y="0"/>
+            <a:ext cx="309900" cy="5143500"/>
+          </a:xfrm>
+          <a:prstGeom prst="rect">
+            <a:avLst/>
+          </a:prstGeom>
+          <a:solidFill>
+            <a:schemeClr val="lt1"/>
+          </a:solidFill>
+          <a:ln cap="flat" cmpd="sng" w="9525">
+            <a:solidFill>
+              <a:schemeClr val="lt1"/>
+            </a:solidFill>
+            <a:prstDash val="solid"/>
+            <a:round/>
+            <a:headEnd len="sm" w="sm" type="none"/>
+            <a:tailEnd len="sm" w="sm" type="none"/>
+          </a:ln>
+        </p:spPr>
+        <p:txBody>
+          <a:bodyPr anchorCtr="0" anchor="ctr" bIns="91425" lIns="91425" spcFirstLastPara="1" rIns="91425" wrap="square" tIns="91425">
+            <a:noAutofit/>
+          </a:bodyPr>
+          <a:lstStyle/>
+          <a:p>
+            <a:pPr indent="0" lvl="0" marL="0" rtl="0" algn="ctr">
+              <a:spcBef>
+                <a:spcPts val="0"/>
+              </a:spcBef>
+              <a:spcAft>
+                <a:spcPts val="0"/>
+              </a:spcAft>
+              <a:buNone/>
+            </a:pPr>
+            <a:r>
+              <a:t/>
+            </a:r>
+            <a:endParaRPr/>
+          </a:p>
+        </p:txBody>
+      </p:sp>
+    </p:spTree>
+  </p:cSld>
+  <p:clrMapOvr>
+    <a:masterClrMapping/>
+  </p:clrMapOvr>
+</p:sld>
+</file>
+
+<file path=ppt/slides/slide11.xml><?xml version="1.0" encoding="utf-8"?>
+<p:sld xmlns:a="http://schemas.openxmlformats.org/drawingml/2006/main" xmlns:r="http://schemas.openxmlformats.org/officeDocument/2006/relationships" xmlns:mc="http://schemas.openxmlformats.org/markup-compatibility/2006" xmlns:mv="urn:schemas-microsoft-com:mac:vml" xmlns:p="http://schemas.openxmlformats.org/presentationml/2006/main" xmlns:c="http://schemas.openxmlformats.org/drawingml/2006/chart" xmlns:dgm="http://schemas.openxmlformats.org/drawingml/2006/diagram" xmlns:o="urn:schemas-microsoft-com:office:office" xmlns:v="urn:schemas-microsoft-com:vml" xmlns:pvml="urn:schemas-microsoft-com:office:powerpoint" xmlns:com="http://schemas.openxmlformats.org/drawingml/2006/compatibility" xmlns:p14="http://schemas.microsoft.com/office/powerpoint/2010/main" xmlns:p15="http://schemas.microsoft.com/office/powerpoint/2012/main" xmlns:ahyp="http://schemas.microsoft.com/office/drawing/2018/hyperlinkcolor">
+  <p:cSld>
+    <p:spTree>
+      <p:nvGrpSpPr>
+        <p:cNvPr id="130" name="Shape 130"/>
+        <p:cNvGrpSpPr/>
+        <p:nvPr/>
+      </p:nvGrpSpPr>
+      <p:grpSpPr>
+        <a:xfrm>
+          <a:off x="0" y="0"/>
+          <a:ext cx="0" cy="0"/>
+          <a:chOff x="0" y="0"/>
+          <a:chExt cx="0" cy="0"/>
+        </a:xfrm>
+      </p:grpSpPr>
+      <p:sp>
+        <p:nvSpPr>
+          <p:cNvPr id="131" name="Google Shape;131;p23"/>
           <p:cNvSpPr txBox="1"/>
           <p:nvPr>
             <p:ph type="title"/>
@@ -6805,16 +7312,24 @@
               <a:buNone/>
             </a:pPr>
             <a:r>
-              <a:rPr lang="en-GB"/>
-              <a:t>Technologies</a:t>
-            </a:r>
-            <a:endParaRPr/>
+              <a:rPr b="1" lang="en-GB">
+                <a:solidFill>
+                  <a:srgbClr val="6FB457"/>
+                </a:solidFill>
+              </a:rPr>
+              <a:t>Deliverables</a:t>
+            </a:r>
+            <a:endParaRPr b="1">
+              <a:solidFill>
+                <a:srgbClr val="6FB457"/>
+              </a:solidFill>
+            </a:endParaRPr>
           </a:p>
         </p:txBody>
       </p:sp>
       <p:sp>
         <p:nvSpPr>
-          <p:cNvPr id="109" name="Google Shape;109;p22"/>
+          <p:cNvPr id="132" name="Google Shape;132;p23"/>
           <p:cNvSpPr txBox="1"/>
           <p:nvPr>
             <p:ph idx="1" type="body"/>
@@ -6822,7 +7337,7 @@
         </p:nvSpPr>
         <p:spPr>
           <a:xfrm>
-            <a:off x="311700" y="1152475"/>
+            <a:off x="311700" y="1210275"/>
             <a:ext cx="8520600" cy="3416400"/>
           </a:xfrm>
           <a:prstGeom prst="rect">
@@ -6831,7 +7346,7 @@
         </p:spPr>
         <p:txBody>
           <a:bodyPr anchorCtr="0" anchor="t" bIns="91425" lIns="91425" spcFirstLastPara="1" rIns="91425" wrap="square" tIns="91425">
-            <a:normAutofit lnSpcReduction="20000"/>
+            <a:normAutofit/>
           </a:bodyPr>
           <a:lstStyle/>
           <a:p>
@@ -6846,24 +7361,35 @@
             </a:pPr>
             <a:r>
               <a:rPr lang="en-GB"/>
-              <a:t>REST API:</a:t>
-            </a:r>
-            <a:endParaRPr/>
-          </a:p>
-          <a:p>
-            <a:pPr indent="-342900" lvl="0" marL="457200" rtl="0" algn="l">
+              <a:t>   Dataset	</a:t>
+            </a:r>
+            <a:r>
+              <a:rPr lang="en-GB"/>
+              <a:t>Grocery Stores, Vendors, and Pharmacies</a:t>
+            </a:r>
+            <a:endParaRPr/>
+          </a:p>
+          <a:p>
+            <a:pPr indent="0" lvl="0" marL="0" rtl="0" algn="l">
               <a:spcBef>
                 <a:spcPts val="1200"/>
               </a:spcBef>
               <a:spcAft>
                 <a:spcPts val="0"/>
               </a:spcAft>
-              <a:buSzPts val="1800"/>
-              <a:buChar char="●"/>
+              <a:buNone/>
             </a:pPr>
             <a:r>
               <a:rPr lang="en-GB"/>
-              <a:t>Spring Boot</a:t>
+              <a:t>         </a:t>
+            </a:r>
+            <a:r>
+              <a:rPr lang="en-GB"/>
+              <a:t>App	</a:t>
+            </a:r>
+            <a:r>
+              <a:rPr lang="en-GB"/>
+              <a:t>Grocery Stores / Vendors</a:t>
             </a:r>
             <a:endParaRPr/>
           </a:p>
@@ -6879,24 +7405,23 @@
             </a:pPr>
             <a:r>
               <a:rPr lang="en-GB"/>
-              <a:t>Version Control:</a:t>
-            </a:r>
-            <a:endParaRPr/>
-          </a:p>
-          <a:p>
-            <a:pPr indent="-342900" lvl="0" marL="457200" rtl="0" algn="l">
+              <a:t>   Website	Admin Portal</a:t>
+            </a:r>
+            <a:endParaRPr/>
+          </a:p>
+          <a:p>
+            <a:pPr indent="0" lvl="0" marL="0" rtl="0" algn="l">
               <a:spcBef>
                 <a:spcPts val="1200"/>
               </a:spcBef>
               <a:spcAft>
                 <a:spcPts val="0"/>
               </a:spcAft>
-              <a:buSzPts val="1800"/>
-              <a:buChar char="●"/>
+              <a:buNone/>
             </a:pPr>
             <a:r>
               <a:rPr lang="en-GB"/>
-              <a:t>GitHub</a:t>
+              <a:t>ML Model	Demand Forecasting</a:t>
             </a:r>
             <a:endParaRPr/>
           </a:p>
@@ -6912,62 +7437,23 @@
             </a:pPr>
             <a:r>
               <a:rPr lang="en-GB"/>
-              <a:t>Project Management:</a:t>
-            </a:r>
-            <a:endParaRPr/>
-          </a:p>
-          <a:p>
-            <a:pPr indent="-342900" lvl="0" marL="457200" rtl="0" algn="l">
+              <a:t>REST API	Frontend &amp; Backend Communication</a:t>
+            </a:r>
+            <a:endParaRPr/>
+          </a:p>
+          <a:p>
+            <a:pPr indent="0" lvl="0" marL="0" rtl="0" algn="l">
               <a:spcBef>
                 <a:spcPts val="1200"/>
               </a:spcBef>
               <a:spcAft>
-                <a:spcPts val="0"/>
-              </a:spcAft>
-              <a:buSzPts val="1800"/>
-              <a:buChar char="●"/>
+                <a:spcPts val="1200"/>
+              </a:spcAft>
+              <a:buNone/>
             </a:pPr>
             <a:r>
               <a:rPr lang="en-GB"/>
-              <a:t>Jira</a:t>
-            </a:r>
-            <a:endParaRPr/>
-          </a:p>
-          <a:p>
-            <a:pPr indent="0" lvl="0" marL="0" rtl="0" algn="l">
-              <a:spcBef>
-                <a:spcPts val="1200"/>
-              </a:spcBef>
-              <a:spcAft>
-                <a:spcPts val="0"/>
-              </a:spcAft>
-              <a:buClr>
-                <a:schemeClr val="dk1"/>
-              </a:buClr>
-              <a:buSzPts val="1100"/>
-              <a:buFont typeface="Arial"/>
-              <a:buNone/>
-            </a:pPr>
-            <a:r>
-              <a:rPr lang="en-GB"/>
-              <a:t>Collaboration:</a:t>
-            </a:r>
-            <a:endParaRPr/>
-          </a:p>
-          <a:p>
-            <a:pPr indent="-342900" lvl="0" marL="457200" rtl="0" algn="l">
-              <a:spcBef>
-                <a:spcPts val="1200"/>
-              </a:spcBef>
-              <a:spcAft>
-                <a:spcPts val="0"/>
-              </a:spcAft>
-              <a:buSzPts val="1800"/>
-              <a:buChar char="●"/>
-            </a:pPr>
-            <a:r>
-              <a:rPr lang="en-GB"/>
-              <a:t>Slack </a:t>
+              <a:t> Database	Data Storage</a:t>
             </a:r>
             <a:endParaRPr/>
           </a:p>
@@ -6981,12 +7467,12 @@
 </p:sld>
 </file>
 
-<file path=ppt/slides/slide11.xml><?xml version="1.0" encoding="utf-8"?>
+<file path=ppt/slides/slide12.xml><?xml version="1.0" encoding="utf-8"?>
 <p:sld xmlns:a="http://schemas.openxmlformats.org/drawingml/2006/main" xmlns:r="http://schemas.openxmlformats.org/officeDocument/2006/relationships" xmlns:mc="http://schemas.openxmlformats.org/markup-compatibility/2006" xmlns:mv="urn:schemas-microsoft-com:mac:vml" xmlns:p="http://schemas.openxmlformats.org/presentationml/2006/main" xmlns:c="http://schemas.openxmlformats.org/drawingml/2006/chart" xmlns:dgm="http://schemas.openxmlformats.org/drawingml/2006/diagram" xmlns:o="urn:schemas-microsoft-com:office:office" xmlns:v="urn:schemas-microsoft-com:vml" xmlns:pvml="urn:schemas-microsoft-com:office:powerpoint" xmlns:com="http://schemas.openxmlformats.org/drawingml/2006/compatibility" xmlns:p14="http://schemas.microsoft.com/office/powerpoint/2010/main" xmlns:p15="http://schemas.microsoft.com/office/powerpoint/2012/main" xmlns:ahyp="http://schemas.microsoft.com/office/drawing/2018/hyperlinkcolor">
   <p:cSld>
     <p:spTree>
       <p:nvGrpSpPr>
-        <p:cNvPr id="113" name="Shape 113"/>
+        <p:cNvPr id="136" name="Shape 136"/>
         <p:cNvGrpSpPr/>
         <p:nvPr/>
       </p:nvGrpSpPr>
@@ -7000,7 +7486,7 @@
       </p:grpSpPr>
       <p:sp>
         <p:nvSpPr>
-          <p:cNvPr id="114" name="Google Shape;114;p23"/>
+          <p:cNvPr id="137" name="Google Shape;137;p24"/>
           <p:cNvSpPr txBox="1"/>
           <p:nvPr>
             <p:ph type="title"/>
@@ -7028,11 +7514,20 @@
               <a:spcAft>
                 <a:spcPts val="0"/>
               </a:spcAft>
-              <a:buNone/>
-            </a:pPr>
-            <a:r>
-              <a:rPr lang="en-GB"/>
-              <a:t>Business Model</a:t>
+              <a:buClr>
+                <a:schemeClr val="dk1"/>
+              </a:buClr>
+              <a:buSzPct val="39285"/>
+              <a:buFont typeface="Arial"/>
+              <a:buNone/>
+            </a:pPr>
+            <a:r>
+              <a:rPr b="1" lang="en-GB">
+                <a:solidFill>
+                  <a:srgbClr val="6FB457"/>
+                </a:solidFill>
+              </a:rPr>
+              <a:t>Technologies</a:t>
             </a:r>
             <a:endParaRPr/>
           </a:p>
@@ -7040,7 +7535,465 @@
       </p:sp>
       <p:sp>
         <p:nvSpPr>
-          <p:cNvPr id="115" name="Google Shape;115;p23"/>
+          <p:cNvPr id="138" name="Google Shape;138;p24"/>
+          <p:cNvSpPr txBox="1"/>
+          <p:nvPr>
+            <p:ph idx="1" type="body"/>
+          </p:nvPr>
+        </p:nvSpPr>
+        <p:spPr>
+          <a:xfrm>
+            <a:off x="311700" y="1152475"/>
+            <a:ext cx="2563800" cy="3416400"/>
+          </a:xfrm>
+          <a:prstGeom prst="rect">
+            <a:avLst/>
+          </a:prstGeom>
+        </p:spPr>
+        <p:txBody>
+          <a:bodyPr anchorCtr="0" anchor="t" bIns="91425" lIns="91425" spcFirstLastPara="1" rIns="91425" wrap="square" tIns="91425">
+            <a:normAutofit/>
+          </a:bodyPr>
+          <a:lstStyle/>
+          <a:p>
+            <a:pPr indent="0" lvl="0" marL="0" rtl="0" algn="l">
+              <a:spcBef>
+                <a:spcPts val="0"/>
+              </a:spcBef>
+              <a:spcAft>
+                <a:spcPts val="0"/>
+              </a:spcAft>
+              <a:buNone/>
+            </a:pPr>
+            <a:r>
+              <a:rPr lang="en-GB"/>
+              <a:t>F</a:t>
+            </a:r>
+            <a:r>
+              <a:rPr lang="en-GB"/>
+              <a:t>ront-End</a:t>
+            </a:r>
+            <a:endParaRPr/>
+          </a:p>
+          <a:p>
+            <a:pPr indent="-342900" lvl="0" marL="457200" rtl="0" algn="l">
+              <a:spcBef>
+                <a:spcPts val="1200"/>
+              </a:spcBef>
+              <a:spcAft>
+                <a:spcPts val="0"/>
+              </a:spcAft>
+              <a:buSzPts val="1800"/>
+              <a:buChar char="●"/>
+            </a:pPr>
+            <a:r>
+              <a:rPr lang="en-GB"/>
+              <a:t>JavaScript / React</a:t>
+            </a:r>
+            <a:endParaRPr/>
+          </a:p>
+          <a:p>
+            <a:pPr indent="0" lvl="0" marL="0" rtl="0" algn="l">
+              <a:spcBef>
+                <a:spcPts val="1200"/>
+              </a:spcBef>
+              <a:spcAft>
+                <a:spcPts val="0"/>
+              </a:spcAft>
+              <a:buNone/>
+            </a:pPr>
+            <a:r>
+              <a:rPr lang="en-GB"/>
+              <a:t>Back-End (REST API)</a:t>
+            </a:r>
+            <a:endParaRPr/>
+          </a:p>
+          <a:p>
+            <a:pPr indent="-342900" lvl="0" marL="457200" rtl="0" algn="l">
+              <a:spcBef>
+                <a:spcPts val="1200"/>
+              </a:spcBef>
+              <a:spcAft>
+                <a:spcPts val="0"/>
+              </a:spcAft>
+              <a:buSzPts val="1800"/>
+              <a:buChar char="●"/>
+            </a:pPr>
+            <a:r>
+              <a:rPr lang="en-GB"/>
+              <a:t>Java / Spring Boot </a:t>
+            </a:r>
+            <a:endParaRPr/>
+          </a:p>
+          <a:p>
+            <a:pPr indent="0" lvl="0" marL="0" rtl="0" algn="l">
+              <a:spcBef>
+                <a:spcPts val="1200"/>
+              </a:spcBef>
+              <a:spcAft>
+                <a:spcPts val="0"/>
+              </a:spcAft>
+              <a:buNone/>
+            </a:pPr>
+            <a:r>
+              <a:rPr lang="en-GB"/>
+              <a:t>Mobile Development:</a:t>
+            </a:r>
+            <a:endParaRPr/>
+          </a:p>
+          <a:p>
+            <a:pPr indent="-342900" lvl="0" marL="457200" rtl="0" algn="l">
+              <a:spcBef>
+                <a:spcPts val="1200"/>
+              </a:spcBef>
+              <a:spcAft>
+                <a:spcPts val="0"/>
+              </a:spcAft>
+              <a:buSzPts val="1800"/>
+              <a:buChar char="●"/>
+            </a:pPr>
+            <a:r>
+              <a:rPr lang="en-GB"/>
+              <a:t>Dart / Flutter</a:t>
+            </a:r>
+            <a:endParaRPr/>
+          </a:p>
+        </p:txBody>
+      </p:sp>
+      <p:sp>
+        <p:nvSpPr>
+          <p:cNvPr id="139" name="Google Shape;139;p24"/>
+          <p:cNvSpPr txBox="1"/>
+          <p:nvPr>
+            <p:ph idx="1" type="body"/>
+          </p:nvPr>
+        </p:nvSpPr>
+        <p:spPr>
+          <a:xfrm>
+            <a:off x="3290100" y="1152475"/>
+            <a:ext cx="2563800" cy="3416400"/>
+          </a:xfrm>
+          <a:prstGeom prst="rect">
+            <a:avLst/>
+          </a:prstGeom>
+        </p:spPr>
+        <p:txBody>
+          <a:bodyPr anchorCtr="0" anchor="t" bIns="91425" lIns="91425" spcFirstLastPara="1" rIns="91425" wrap="square" tIns="91425">
+            <a:normAutofit/>
+          </a:bodyPr>
+          <a:lstStyle/>
+          <a:p>
+            <a:pPr indent="0" lvl="0" marL="0" rtl="0" algn="l">
+              <a:spcBef>
+                <a:spcPts val="0"/>
+              </a:spcBef>
+              <a:spcAft>
+                <a:spcPts val="0"/>
+              </a:spcAft>
+              <a:buNone/>
+            </a:pPr>
+            <a:r>
+              <a:rPr lang="en-GB"/>
+              <a:t>Machine Learning:</a:t>
+            </a:r>
+            <a:endParaRPr/>
+          </a:p>
+          <a:p>
+            <a:pPr indent="-342900" lvl="0" marL="457200" rtl="0" algn="l">
+              <a:spcBef>
+                <a:spcPts val="1200"/>
+              </a:spcBef>
+              <a:spcAft>
+                <a:spcPts val="0"/>
+              </a:spcAft>
+              <a:buSzPts val="1800"/>
+              <a:buChar char="●"/>
+            </a:pPr>
+            <a:r>
+              <a:rPr lang="en-GB"/>
+              <a:t>Python</a:t>
+            </a:r>
+            <a:endParaRPr/>
+          </a:p>
+          <a:p>
+            <a:pPr indent="0" lvl="0" marL="0" rtl="0" algn="l">
+              <a:spcBef>
+                <a:spcPts val="1200"/>
+              </a:spcBef>
+              <a:spcAft>
+                <a:spcPts val="0"/>
+              </a:spcAft>
+              <a:buNone/>
+            </a:pPr>
+            <a:r>
+              <a:rPr lang="en-GB"/>
+              <a:t>Cloud Services:</a:t>
+            </a:r>
+            <a:endParaRPr/>
+          </a:p>
+          <a:p>
+            <a:pPr indent="-342900" lvl="0" marL="457200" rtl="0" algn="l">
+              <a:spcBef>
+                <a:spcPts val="1200"/>
+              </a:spcBef>
+              <a:spcAft>
+                <a:spcPts val="0"/>
+              </a:spcAft>
+              <a:buSzPts val="1800"/>
+              <a:buChar char="●"/>
+            </a:pPr>
+            <a:r>
+              <a:rPr lang="en-GB"/>
+              <a:t>Google Cloud</a:t>
+            </a:r>
+            <a:endParaRPr/>
+          </a:p>
+          <a:p>
+            <a:pPr indent="0" lvl="0" marL="0" rtl="0" algn="l">
+              <a:spcBef>
+                <a:spcPts val="1200"/>
+              </a:spcBef>
+              <a:spcAft>
+                <a:spcPts val="0"/>
+              </a:spcAft>
+              <a:buNone/>
+            </a:pPr>
+            <a:r>
+              <a:rPr lang="en-GB"/>
+              <a:t>Data Storage:</a:t>
+            </a:r>
+            <a:endParaRPr/>
+          </a:p>
+          <a:p>
+            <a:pPr indent="-342900" lvl="0" marL="457200" rtl="0" algn="l">
+              <a:spcBef>
+                <a:spcPts val="1200"/>
+              </a:spcBef>
+              <a:spcAft>
+                <a:spcPts val="0"/>
+              </a:spcAft>
+              <a:buSzPts val="1800"/>
+              <a:buChar char="●"/>
+            </a:pPr>
+            <a:r>
+              <a:rPr lang="en-GB"/>
+              <a:t>MySQL</a:t>
+            </a:r>
+            <a:endParaRPr/>
+          </a:p>
+        </p:txBody>
+      </p:sp>
+      <p:sp>
+        <p:nvSpPr>
+          <p:cNvPr id="140" name="Google Shape;140;p24"/>
+          <p:cNvSpPr txBox="1"/>
+          <p:nvPr>
+            <p:ph idx="1" type="body"/>
+          </p:nvPr>
+        </p:nvSpPr>
+        <p:spPr>
+          <a:xfrm>
+            <a:off x="6268500" y="1152475"/>
+            <a:ext cx="2563800" cy="3416400"/>
+          </a:xfrm>
+          <a:prstGeom prst="rect">
+            <a:avLst/>
+          </a:prstGeom>
+        </p:spPr>
+        <p:txBody>
+          <a:bodyPr anchorCtr="0" anchor="t" bIns="91425" lIns="91425" spcFirstLastPara="1" rIns="91425" wrap="square" tIns="91425">
+            <a:normAutofit/>
+          </a:bodyPr>
+          <a:lstStyle/>
+          <a:p>
+            <a:pPr indent="0" lvl="0" marL="0" rtl="0" algn="l">
+              <a:spcBef>
+                <a:spcPts val="0"/>
+              </a:spcBef>
+              <a:spcAft>
+                <a:spcPts val="0"/>
+              </a:spcAft>
+              <a:buNone/>
+            </a:pPr>
+            <a:r>
+              <a:rPr lang="en-GB"/>
+              <a:t>Version Control:</a:t>
+            </a:r>
+            <a:endParaRPr/>
+          </a:p>
+          <a:p>
+            <a:pPr indent="-342900" lvl="0" marL="457200" rtl="0" algn="l">
+              <a:spcBef>
+                <a:spcPts val="1200"/>
+              </a:spcBef>
+              <a:spcAft>
+                <a:spcPts val="0"/>
+              </a:spcAft>
+              <a:buSzPts val="1800"/>
+              <a:buChar char="●"/>
+            </a:pPr>
+            <a:r>
+              <a:rPr lang="en-GB"/>
+              <a:t>GitHub</a:t>
+            </a:r>
+            <a:endParaRPr/>
+          </a:p>
+          <a:p>
+            <a:pPr indent="0" lvl="0" marL="0" rtl="0" algn="l">
+              <a:spcBef>
+                <a:spcPts val="1200"/>
+              </a:spcBef>
+              <a:spcAft>
+                <a:spcPts val="0"/>
+              </a:spcAft>
+              <a:buNone/>
+            </a:pPr>
+            <a:r>
+              <a:rPr lang="en-GB"/>
+              <a:t>Project Management:</a:t>
+            </a:r>
+            <a:endParaRPr/>
+          </a:p>
+          <a:p>
+            <a:pPr indent="-342900" lvl="0" marL="457200" rtl="0" algn="l">
+              <a:spcBef>
+                <a:spcPts val="1200"/>
+              </a:spcBef>
+              <a:spcAft>
+                <a:spcPts val="0"/>
+              </a:spcAft>
+              <a:buSzPts val="1800"/>
+              <a:buChar char="●"/>
+            </a:pPr>
+            <a:r>
+              <a:rPr lang="en-GB"/>
+              <a:t>Jira</a:t>
+            </a:r>
+            <a:endParaRPr/>
+          </a:p>
+          <a:p>
+            <a:pPr indent="0" lvl="0" marL="0" rtl="0" algn="l">
+              <a:spcBef>
+                <a:spcPts val="1200"/>
+              </a:spcBef>
+              <a:spcAft>
+                <a:spcPts val="0"/>
+              </a:spcAft>
+              <a:buNone/>
+            </a:pPr>
+            <a:r>
+              <a:rPr lang="en-GB"/>
+              <a:t>Collaboration:</a:t>
+            </a:r>
+            <a:endParaRPr/>
+          </a:p>
+          <a:p>
+            <a:pPr indent="-342900" lvl="0" marL="457200" rtl="0" algn="l">
+              <a:spcBef>
+                <a:spcPts val="1200"/>
+              </a:spcBef>
+              <a:spcAft>
+                <a:spcPts val="0"/>
+              </a:spcAft>
+              <a:buSzPts val="1800"/>
+              <a:buChar char="●"/>
+            </a:pPr>
+            <a:r>
+              <a:rPr lang="en-GB"/>
+              <a:t>Discord</a:t>
+            </a:r>
+            <a:endParaRPr/>
+          </a:p>
+        </p:txBody>
+      </p:sp>
+    </p:spTree>
+  </p:cSld>
+  <p:clrMapOvr>
+    <a:masterClrMapping/>
+  </p:clrMapOvr>
+</p:sld>
+</file>
+
+<file path=ppt/slides/slide13.xml><?xml version="1.0" encoding="utf-8"?>
+<p:sld xmlns:a="http://schemas.openxmlformats.org/drawingml/2006/main" xmlns:r="http://schemas.openxmlformats.org/officeDocument/2006/relationships" xmlns:mc="http://schemas.openxmlformats.org/markup-compatibility/2006" xmlns:mv="urn:schemas-microsoft-com:mac:vml" xmlns:p="http://schemas.openxmlformats.org/presentationml/2006/main" xmlns:c="http://schemas.openxmlformats.org/drawingml/2006/chart" xmlns:dgm="http://schemas.openxmlformats.org/drawingml/2006/diagram" xmlns:o="urn:schemas-microsoft-com:office:office" xmlns:v="urn:schemas-microsoft-com:vml" xmlns:pvml="urn:schemas-microsoft-com:office:powerpoint" xmlns:com="http://schemas.openxmlformats.org/drawingml/2006/compatibility" xmlns:p14="http://schemas.microsoft.com/office/powerpoint/2010/main" xmlns:p15="http://schemas.microsoft.com/office/powerpoint/2012/main" xmlns:ahyp="http://schemas.microsoft.com/office/drawing/2018/hyperlinkcolor">
+  <p:cSld>
+    <p:spTree>
+      <p:nvGrpSpPr>
+        <p:cNvPr id="144" name="Shape 144"/>
+        <p:cNvGrpSpPr/>
+        <p:nvPr/>
+      </p:nvGrpSpPr>
+      <p:grpSpPr>
+        <a:xfrm>
+          <a:off x="0" y="0"/>
+          <a:ext cx="0" cy="0"/>
+          <a:chOff x="0" y="0"/>
+          <a:chExt cx="0" cy="0"/>
+        </a:xfrm>
+      </p:grpSpPr>
+      <p:sp>
+        <p:nvSpPr>
+          <p:cNvPr id="145" name="Google Shape;145;p25"/>
+          <p:cNvSpPr txBox="1"/>
+          <p:nvPr>
+            <p:ph type="title"/>
+          </p:nvPr>
+        </p:nvSpPr>
+        <p:spPr>
+          <a:xfrm>
+            <a:off x="311700" y="445025"/>
+            <a:ext cx="8520600" cy="572700"/>
+          </a:xfrm>
+          <a:prstGeom prst="rect">
+            <a:avLst/>
+          </a:prstGeom>
+        </p:spPr>
+        <p:txBody>
+          <a:bodyPr anchorCtr="0" anchor="t" bIns="91425" lIns="91425" spcFirstLastPara="1" rIns="91425" wrap="square" tIns="91425">
+            <a:normAutofit fontScale="90000"/>
+          </a:bodyPr>
+          <a:lstStyle/>
+          <a:p>
+            <a:pPr indent="0" lvl="0" marL="0" rtl="0" algn="l">
+              <a:spcBef>
+                <a:spcPts val="0"/>
+              </a:spcBef>
+              <a:spcAft>
+                <a:spcPts val="0"/>
+              </a:spcAft>
+              <a:buNone/>
+            </a:pPr>
+            <a:r>
+              <a:rPr b="1" lang="en-GB">
+                <a:solidFill>
+                  <a:srgbClr val="6FB457"/>
+                </a:solidFill>
+              </a:rPr>
+              <a:t>Business</a:t>
+            </a:r>
+            <a:r>
+              <a:rPr b="1" lang="en-GB"/>
+              <a:t> </a:t>
+            </a:r>
+            <a:r>
+              <a:rPr b="1" lang="en-GB">
+                <a:solidFill>
+                  <a:srgbClr val="8BC478"/>
+                </a:solidFill>
+              </a:rPr>
+              <a:t>Model</a:t>
+            </a:r>
+            <a:endParaRPr b="1">
+              <a:solidFill>
+                <a:srgbClr val="8BC478"/>
+              </a:solidFill>
+            </a:endParaRPr>
+          </a:p>
+        </p:txBody>
+      </p:sp>
+      <p:sp>
+        <p:nvSpPr>
+          <p:cNvPr id="146" name="Google Shape;146;p25"/>
           <p:cNvSpPr txBox="1"/>
           <p:nvPr>
             <p:ph idx="1" type="body"/>
@@ -7235,12 +8188,12 @@
 </p:sld>
 </file>
 
-<file path=ppt/slides/slide12.xml><?xml version="1.0" encoding="utf-8"?>
+<file path=ppt/slides/slide14.xml><?xml version="1.0" encoding="utf-8"?>
 <p:sld xmlns:a="http://schemas.openxmlformats.org/drawingml/2006/main" xmlns:r="http://schemas.openxmlformats.org/officeDocument/2006/relationships" xmlns:mc="http://schemas.openxmlformats.org/markup-compatibility/2006" xmlns:mv="urn:schemas-microsoft-com:mac:vml" xmlns:p="http://schemas.openxmlformats.org/presentationml/2006/main" xmlns:c="http://schemas.openxmlformats.org/drawingml/2006/chart" xmlns:dgm="http://schemas.openxmlformats.org/drawingml/2006/diagram" xmlns:o="urn:schemas-microsoft-com:office:office" xmlns:v="urn:schemas-microsoft-com:vml" xmlns:pvml="urn:schemas-microsoft-com:office:powerpoint" xmlns:com="http://schemas.openxmlformats.org/drawingml/2006/compatibility" xmlns:p14="http://schemas.microsoft.com/office/powerpoint/2010/main" xmlns:p15="http://schemas.microsoft.com/office/powerpoint/2012/main" xmlns:ahyp="http://schemas.microsoft.com/office/drawing/2018/hyperlinkcolor">
   <p:cSld>
     <p:spTree>
       <p:nvGrpSpPr>
-        <p:cNvPr id="119" name="Shape 119"/>
+        <p:cNvPr id="150" name="Shape 150"/>
         <p:cNvGrpSpPr/>
         <p:nvPr/>
       </p:nvGrpSpPr>
@@ -7254,7 +8207,7 @@
       </p:grpSpPr>
       <p:sp>
         <p:nvSpPr>
-          <p:cNvPr id="120" name="Google Shape;120;p24"/>
+          <p:cNvPr id="151" name="Google Shape;151;p26"/>
           <p:cNvSpPr txBox="1"/>
           <p:nvPr>
             <p:ph type="title"/>
@@ -7285,20 +8238,36 @@
               <a:buNone/>
             </a:pPr>
             <a:r>
-              <a:rPr lang="en-GB"/>
-              <a:t>Project </a:t>
-            </a:r>
-            <a:r>
-              <a:rPr lang="en-GB"/>
+              <a:rPr b="1" lang="en-GB">
+                <a:solidFill>
+                  <a:srgbClr val="6FB457"/>
+                </a:solidFill>
+              </a:rPr>
+              <a:t>Project</a:t>
+            </a:r>
+            <a:r>
+              <a:rPr b="1" lang="en-GB"/>
+              <a:t> </a:t>
+            </a:r>
+            <a:r>
+              <a:rPr b="1" lang="en-GB">
+                <a:solidFill>
+                  <a:srgbClr val="8BC478"/>
+                </a:solidFill>
+              </a:rPr>
               <a:t>Methodology</a:t>
             </a:r>
-            <a:endParaRPr/>
+            <a:endParaRPr b="1">
+              <a:solidFill>
+                <a:srgbClr val="8BC478"/>
+              </a:solidFill>
+            </a:endParaRPr>
           </a:p>
         </p:txBody>
       </p:sp>
       <p:sp>
         <p:nvSpPr>
-          <p:cNvPr id="121" name="Google Shape;121;p24"/>
+          <p:cNvPr id="152" name="Google Shape;152;p26"/>
           <p:cNvSpPr txBox="1"/>
           <p:nvPr>
             <p:ph idx="1" type="body"/>
@@ -7330,7 +8299,7 @@
             </a:pPr>
             <a:r>
               <a:rPr lang="en-GB"/>
-              <a:t>Project Initiation (Week 1-3)</a:t>
+              <a:t>Project Initiation (Week 1-5)</a:t>
             </a:r>
             <a:endParaRPr/>
           </a:p>
@@ -7346,7 +8315,7 @@
             </a:pPr>
             <a:r>
               <a:rPr lang="en-GB"/>
-              <a:t>Requirement Gathering (Week 4-6)</a:t>
+              <a:t>Requirement Gathering (Week 6-9)</a:t>
             </a:r>
             <a:endParaRPr/>
           </a:p>
@@ -7362,7 +8331,7 @@
             </a:pPr>
             <a:r>
               <a:rPr lang="en-GB"/>
-              <a:t>System Design (Week 7-9)</a:t>
+              <a:t>System Design (Week 9-12)</a:t>
             </a:r>
             <a:endParaRPr/>
           </a:p>
@@ -7378,7 +8347,7 @@
             </a:pPr>
             <a:r>
               <a:rPr lang="en-GB"/>
-              <a:t>Development (Week 10-33)</a:t>
+              <a:t>Development (Week 13-36)</a:t>
             </a:r>
             <a:endParaRPr/>
           </a:p>
@@ -7394,7 +8363,7 @@
             </a:pPr>
             <a:r>
               <a:rPr lang="en-GB"/>
-              <a:t>Testing and Quality Assurance (Week 13-33)</a:t>
+              <a:t>Testing and Quality Assurance (Week 15-36)</a:t>
             </a:r>
             <a:endParaRPr/>
           </a:p>
@@ -7410,7 +8379,7 @@
             </a:pPr>
             <a:r>
               <a:rPr lang="en-GB"/>
-              <a:t>Deployment (Week 34-36)</a:t>
+              <a:t>Deployment (Week 36-38)</a:t>
             </a:r>
             <a:endParaRPr/>
           </a:p>
@@ -7440,12 +8409,12 @@
 </p:sld>
 </file>
 
-<file path=ppt/slides/slide13.xml><?xml version="1.0" encoding="utf-8"?>
+<file path=ppt/slides/slide15.xml><?xml version="1.0" encoding="utf-8"?>
 <p:sld xmlns:a="http://schemas.openxmlformats.org/drawingml/2006/main" xmlns:r="http://schemas.openxmlformats.org/officeDocument/2006/relationships" xmlns:mc="http://schemas.openxmlformats.org/markup-compatibility/2006" xmlns:mv="urn:schemas-microsoft-com:mac:vml" xmlns:p="http://schemas.openxmlformats.org/presentationml/2006/main" xmlns:c="http://schemas.openxmlformats.org/drawingml/2006/chart" xmlns:dgm="http://schemas.openxmlformats.org/drawingml/2006/diagram" xmlns:o="urn:schemas-microsoft-com:office:office" xmlns:v="urn:schemas-microsoft-com:vml" xmlns:pvml="urn:schemas-microsoft-com:office:powerpoint" xmlns:com="http://schemas.openxmlformats.org/drawingml/2006/compatibility" xmlns:p14="http://schemas.microsoft.com/office/powerpoint/2010/main" xmlns:p15="http://schemas.microsoft.com/office/powerpoint/2012/main" xmlns:ahyp="http://schemas.microsoft.com/office/drawing/2018/hyperlinkcolor">
   <p:cSld>
     <p:spTree>
       <p:nvGrpSpPr>
-        <p:cNvPr id="125" name="Shape 125"/>
+        <p:cNvPr id="156" name="Shape 156"/>
         <p:cNvGrpSpPr/>
         <p:nvPr/>
       </p:nvGrpSpPr>
@@ -7459,7 +8428,7 @@
       </p:grpSpPr>
       <p:sp>
         <p:nvSpPr>
-          <p:cNvPr id="126" name="Google Shape;126;p25"/>
+          <p:cNvPr id="157" name="Google Shape;157;p27"/>
           <p:cNvSpPr txBox="1"/>
           <p:nvPr>
             <p:ph type="title"/>
@@ -7490,16 +8459,24 @@
               <a:buNone/>
             </a:pPr>
             <a:r>
-              <a:rPr lang="en-GB"/>
+              <a:rPr b="1" lang="en-GB">
+                <a:solidFill>
+                  <a:srgbClr val="6FB457"/>
+                </a:solidFill>
+              </a:rPr>
               <a:t>Timeline</a:t>
             </a:r>
-            <a:endParaRPr/>
+            <a:endParaRPr b="1">
+              <a:solidFill>
+                <a:srgbClr val="6FB457"/>
+              </a:solidFill>
+            </a:endParaRPr>
           </a:p>
         </p:txBody>
       </p:sp>
       <p:sp>
         <p:nvSpPr>
-          <p:cNvPr id="127" name="Google Shape;127;p25"/>
+          <p:cNvPr id="158" name="Google Shape;158;p27"/>
           <p:cNvSpPr txBox="1"/>
           <p:nvPr>
             <p:ph idx="1" type="body"/>
@@ -7538,7 +8515,7 @@
       </p:sp>
       <p:pic>
         <p:nvPicPr>
-          <p:cNvPr id="128" name="Google Shape;128;p25"/>
+          <p:cNvPr id="159" name="Google Shape;159;p27"/>
           <p:cNvPicPr preferRelativeResize="0"/>
           <p:nvPr/>
         </p:nvPicPr>
@@ -7552,8 +8529,8 @@
         </p:blipFill>
         <p:spPr>
           <a:xfrm>
-            <a:off x="1154425" y="1157338"/>
-            <a:ext cx="6835140" cy="3406674"/>
+            <a:off x="252000" y="1152550"/>
+            <a:ext cx="8640000" cy="3416235"/>
           </a:xfrm>
           <a:prstGeom prst="rect">
             <a:avLst/>
@@ -7619,13 +8596,34 @@
               <a:spcAft>
                 <a:spcPts val="0"/>
               </a:spcAft>
-              <a:buNone/>
-            </a:pPr>
-            <a:r>
-              <a:rPr lang="en-GB"/>
-              <a:t>Problem Statement</a:t>
-            </a:r>
-            <a:endParaRPr/>
+              <a:buClr>
+                <a:schemeClr val="dk1"/>
+              </a:buClr>
+              <a:buSzPct val="39285"/>
+              <a:buFont typeface="Arial"/>
+              <a:buNone/>
+            </a:pPr>
+            <a:r>
+              <a:rPr b="1" lang="en-GB">
+                <a:solidFill>
+                  <a:srgbClr val="6FB457"/>
+                </a:solidFill>
+              </a:rPr>
+              <a:t>Problem </a:t>
+            </a:r>
+            <a:r>
+              <a:rPr b="1" lang="en-GB">
+                <a:solidFill>
+                  <a:srgbClr val="8BC478"/>
+                </a:solidFill>
+              </a:rPr>
+              <a:t>Statement</a:t>
+            </a:r>
+            <a:endParaRPr>
+              <a:solidFill>
+                <a:srgbClr val="8BC478"/>
+              </a:solidFill>
+            </a:endParaRPr>
           </a:p>
         </p:txBody>
       </p:sp>
@@ -7663,11 +8661,77 @@
             </a:pPr>
             <a:r>
               <a:rPr lang="en-GB"/>
-              <a:t>T</a:t>
-            </a:r>
+              <a:t>Inadequate communication between vendors and grocery stores, along with imprecise inventory orders, hampers food supply chain efficiency.</a:t>
+            </a:r>
+            <a:endParaRPr/>
+          </a:p>
+        </p:txBody>
+      </p:sp>
+      <p:sp>
+        <p:nvSpPr>
+          <p:cNvPr id="62" name="Google Shape;62;p14"/>
+          <p:cNvSpPr txBox="1"/>
+          <p:nvPr>
+            <p:ph idx="1" type="body"/>
+          </p:nvPr>
+        </p:nvSpPr>
+        <p:spPr>
+          <a:xfrm>
+            <a:off x="311700" y="1152475"/>
+            <a:ext cx="4260300" cy="3416400"/>
+          </a:xfrm>
+          <a:prstGeom prst="rect">
+            <a:avLst/>
+          </a:prstGeom>
+        </p:spPr>
+        <p:txBody>
+          <a:bodyPr anchorCtr="0" anchor="t" bIns="91425" lIns="91425" spcFirstLastPara="1" rIns="91425" wrap="square" tIns="91425">
+            <a:normAutofit/>
+          </a:bodyPr>
+          <a:lstStyle/>
+          <a:p>
+            <a:pPr indent="0" lvl="0" marL="0" rtl="0" algn="l">
+              <a:spcBef>
+                <a:spcPts val="0"/>
+              </a:spcBef>
+              <a:spcAft>
+                <a:spcPts val="0"/>
+              </a:spcAft>
+              <a:buNone/>
+            </a:pPr>
+            <a:r>
+              <a:t/>
+            </a:r>
+            <a:endParaRPr/>
+          </a:p>
+          <a:p>
+            <a:pPr indent="0" lvl="0" marL="0" rtl="0" algn="l">
+              <a:spcBef>
+                <a:spcPts val="1200"/>
+              </a:spcBef>
+              <a:spcAft>
+                <a:spcPts val="0"/>
+              </a:spcAft>
+              <a:buNone/>
+            </a:pPr>
+            <a:r>
+              <a:t/>
+            </a:r>
+            <a:endParaRPr/>
+          </a:p>
+          <a:p>
+            <a:pPr indent="0" lvl="0" marL="0" rtl="0" algn="l">
+              <a:spcBef>
+                <a:spcPts val="1200"/>
+              </a:spcBef>
+              <a:spcAft>
+                <a:spcPts val="0"/>
+              </a:spcAft>
+              <a:buNone/>
+            </a:pPr>
             <a:r>
               <a:rPr lang="en-GB"/>
-              <a:t>raditional Manual Processes</a:t>
+              <a:t>Grocery Stores</a:t>
             </a:r>
             <a:endParaRPr/>
           </a:p>
@@ -7684,7 +8748,7 @@
             </a:pPr>
             <a:r>
               <a:rPr lang="en-GB"/>
-              <a:t>Inefficiencies</a:t>
+              <a:t>Inventory Mismanagement</a:t>
             </a:r>
             <a:endParaRPr/>
           </a:p>
@@ -7701,7 +8765,7 @@
             </a:pPr>
             <a:r>
               <a:rPr lang="en-GB"/>
-              <a:t>Wastage</a:t>
+              <a:t>Conventional Procurement Structure</a:t>
             </a:r>
             <a:endParaRPr/>
           </a:p>
@@ -7718,30 +8782,14 @@
             </a:pPr>
             <a:r>
               <a:rPr lang="en-GB"/>
-              <a:t>Inadequate Demand Forecasting</a:t>
-            </a:r>
-            <a:endParaRPr/>
-          </a:p>
-          <a:p>
-            <a:pPr indent="0" lvl="0" marL="0" rtl="0" algn="l">
-              <a:spcBef>
-                <a:spcPts val="1200"/>
-              </a:spcBef>
-              <a:spcAft>
-                <a:spcPts val="0"/>
-              </a:spcAft>
-              <a:buNone/>
-            </a:pPr>
-            <a:r>
-              <a:rPr lang="en-GB"/>
-              <a:t>Outdated Supply Chain Mechanisms</a:t>
+              <a:t>Communication Issues</a:t>
             </a:r>
             <a:endParaRPr/>
           </a:p>
           <a:p>
             <a:pPr indent="-342900" lvl="0" marL="457200" rtl="0" algn="l">
               <a:spcBef>
-                <a:spcPts val="1200"/>
+                <a:spcPts val="0"/>
               </a:spcBef>
               <a:spcAft>
                 <a:spcPts val="0"/>
@@ -7751,14 +8799,84 @@
             </a:pPr>
             <a:r>
               <a:rPr lang="en-GB"/>
-              <a:t>Communication Issues</a:t>
+              <a:t>“Mobiler”</a:t>
+            </a:r>
+            <a:endParaRPr/>
+          </a:p>
+        </p:txBody>
+      </p:sp>
+      <p:sp>
+        <p:nvSpPr>
+          <p:cNvPr id="63" name="Google Shape;63;p14"/>
+          <p:cNvSpPr txBox="1"/>
+          <p:nvPr>
+            <p:ph idx="1" type="body"/>
+          </p:nvPr>
+        </p:nvSpPr>
+        <p:spPr>
+          <a:xfrm>
+            <a:off x="4572000" y="1152475"/>
+            <a:ext cx="4260300" cy="3416400"/>
+          </a:xfrm>
+          <a:prstGeom prst="rect">
+            <a:avLst/>
+          </a:prstGeom>
+        </p:spPr>
+        <p:txBody>
+          <a:bodyPr anchorCtr="0" anchor="t" bIns="91425" lIns="91425" spcFirstLastPara="1" rIns="91425" wrap="square" tIns="91425">
+            <a:normAutofit/>
+          </a:bodyPr>
+          <a:lstStyle/>
+          <a:p>
+            <a:pPr indent="0" lvl="0" marL="0" rtl="0" algn="l">
+              <a:spcBef>
+                <a:spcPts val="0"/>
+              </a:spcBef>
+              <a:spcAft>
+                <a:spcPts val="0"/>
+              </a:spcAft>
+              <a:buNone/>
+            </a:pPr>
+            <a:r>
+              <a:t/>
+            </a:r>
+            <a:endParaRPr/>
+          </a:p>
+          <a:p>
+            <a:pPr indent="0" lvl="0" marL="0" rtl="0" algn="l">
+              <a:spcBef>
+                <a:spcPts val="1200"/>
+              </a:spcBef>
+              <a:spcAft>
+                <a:spcPts val="0"/>
+              </a:spcAft>
+              <a:buNone/>
+            </a:pPr>
+            <a:r>
+              <a:t/>
+            </a:r>
+            <a:endParaRPr/>
+          </a:p>
+          <a:p>
+            <a:pPr indent="0" lvl="0" marL="0" rtl="0" algn="l">
+              <a:spcBef>
+                <a:spcPts val="1200"/>
+              </a:spcBef>
+              <a:spcAft>
+                <a:spcPts val="0"/>
+              </a:spcAft>
+              <a:buNone/>
+            </a:pPr>
+            <a:r>
+              <a:rPr lang="en-GB"/>
+              <a:t>Vendors</a:t>
             </a:r>
             <a:endParaRPr/>
           </a:p>
           <a:p>
             <a:pPr indent="-342900" lvl="0" marL="457200" rtl="0" algn="l">
               <a:spcBef>
-                <a:spcPts val="0"/>
+                <a:spcPts val="1200"/>
               </a:spcBef>
               <a:spcAft>
                 <a:spcPts val="0"/>
@@ -7768,7 +8886,7 @@
             </a:pPr>
             <a:r>
               <a:rPr lang="en-GB"/>
-              <a:t>Mobiler</a:t>
+              <a:t>Small Customer Base</a:t>
             </a:r>
             <a:endParaRPr/>
           </a:p>
@@ -7786,6 +8904,23 @@
             <a:r>
               <a:rPr lang="en-GB"/>
               <a:t>Labour Intensive Processes</a:t>
+            </a:r>
+            <a:endParaRPr/>
+          </a:p>
+          <a:p>
+            <a:pPr indent="-342900" lvl="0" marL="457200" rtl="0" algn="l">
+              <a:spcBef>
+                <a:spcPts val="0"/>
+              </a:spcBef>
+              <a:spcAft>
+                <a:spcPts val="0"/>
+              </a:spcAft>
+              <a:buSzPts val="1800"/>
+              <a:buChar char="●"/>
+            </a:pPr>
+            <a:r>
+              <a:rPr lang="en-GB"/>
+              <a:t>Information Gaps</a:t>
             </a:r>
             <a:endParaRPr/>
           </a:p>
@@ -7804,7 +8939,7 @@
   <p:cSld>
     <p:spTree>
       <p:nvGrpSpPr>
-        <p:cNvPr id="65" name="Shape 65"/>
+        <p:cNvPr id="67" name="Shape 67"/>
         <p:cNvGrpSpPr/>
         <p:nvPr/>
       </p:nvGrpSpPr>
@@ -7818,7 +8953,7 @@
       </p:grpSpPr>
       <p:sp>
         <p:nvSpPr>
-          <p:cNvPr id="66" name="Google Shape;66;p15"/>
+          <p:cNvPr id="68" name="Google Shape;68;p15"/>
           <p:cNvSpPr txBox="1"/>
           <p:nvPr>
             <p:ph type="title"/>
@@ -7849,16 +8984,36 @@
               <a:buNone/>
             </a:pPr>
             <a:r>
-              <a:rPr lang="en-GB"/>
-              <a:t>Existing System</a:t>
-            </a:r>
-            <a:endParaRPr/>
+              <a:rPr b="1" lang="en-GB">
+                <a:solidFill>
+                  <a:srgbClr val="6FB457"/>
+                </a:solidFill>
+              </a:rPr>
+              <a:t>Existing</a:t>
+            </a:r>
+            <a:r>
+              <a:rPr b="1" lang="en-GB"/>
+              <a:t> </a:t>
+            </a:r>
+            <a:r>
+              <a:rPr b="1" lang="en-GB">
+                <a:solidFill>
+                  <a:srgbClr val="8BC478"/>
+                </a:solidFill>
+              </a:rPr>
+              <a:t>System</a:t>
+            </a:r>
+            <a:endParaRPr b="1">
+              <a:solidFill>
+                <a:srgbClr val="8BC478"/>
+              </a:solidFill>
+            </a:endParaRPr>
           </a:p>
         </p:txBody>
       </p:sp>
       <p:sp>
         <p:nvSpPr>
-          <p:cNvPr id="67" name="Google Shape;67;p15"/>
+          <p:cNvPr id="69" name="Google Shape;69;p15"/>
           <p:cNvSpPr txBox="1"/>
           <p:nvPr>
             <p:ph idx="1" type="body"/>
@@ -7875,7 +9030,7 @@
         </p:spPr>
         <p:txBody>
           <a:bodyPr anchorCtr="0" anchor="t" bIns="91425" lIns="91425" spcFirstLastPara="1" rIns="91425" wrap="square" tIns="91425">
-            <a:normAutofit lnSpcReduction="20000"/>
+            <a:normAutofit/>
           </a:bodyPr>
           <a:lstStyle/>
           <a:p>
@@ -7886,15 +9041,16 @@
               <a:spcAft>
                 <a:spcPts val="0"/>
               </a:spcAft>
+              <a:buClr>
+                <a:schemeClr val="dk1"/>
+              </a:buClr>
+              <a:buSzPts val="1100"/>
+              <a:buFont typeface="Arial"/>
               <a:buNone/>
             </a:pPr>
             <a:r>
               <a:rPr lang="en-GB"/>
-              <a:t>S</a:t>
-            </a:r>
-            <a:r>
-              <a:rPr lang="en-GB"/>
-              <a:t>tock Outs</a:t>
+              <a:t>Findings from interviews conducted</a:t>
             </a:r>
             <a:endParaRPr/>
           </a:p>
@@ -7911,7 +9067,7 @@
             </a:pPr>
             <a:r>
               <a:rPr lang="en-GB"/>
-              <a:t>Arrival of Supplies</a:t>
+              <a:t>Discounts on products close to expiration</a:t>
             </a:r>
             <a:endParaRPr/>
           </a:p>
@@ -7928,30 +9084,14 @@
             </a:pPr>
             <a:r>
               <a:rPr lang="en-GB"/>
-              <a:t>Slow Replenishment</a:t>
-            </a:r>
-            <a:endParaRPr/>
-          </a:p>
-          <a:p>
-            <a:pPr indent="0" lvl="0" marL="0" rtl="0" algn="l">
-              <a:spcBef>
-                <a:spcPts val="1200"/>
-              </a:spcBef>
-              <a:spcAft>
-                <a:spcPts val="0"/>
-              </a:spcAft>
-              <a:buNone/>
-            </a:pPr>
-            <a:r>
-              <a:rPr lang="en-GB"/>
-              <a:t>Conventional Procurement Structure</a:t>
+              <a:t>Product Monopolization</a:t>
             </a:r>
             <a:endParaRPr/>
           </a:p>
           <a:p>
             <a:pPr indent="-342900" lvl="0" marL="457200" rtl="0" algn="l">
               <a:spcBef>
-                <a:spcPts val="1200"/>
+                <a:spcPts val="0"/>
               </a:spcBef>
               <a:spcAft>
                 <a:spcPts val="0"/>
@@ -7961,7 +9101,7 @@
             </a:pPr>
             <a:r>
               <a:rPr lang="en-GB"/>
-              <a:t>Significant Time Investment</a:t>
+              <a:t>Only source to new products is through vendors</a:t>
             </a:r>
             <a:endParaRPr/>
           </a:p>
@@ -7977,15 +9117,7 @@
             </a:pPr>
             <a:r>
               <a:rPr lang="en-GB"/>
-              <a:t>C</a:t>
-            </a:r>
-            <a:r>
-              <a:rPr lang="en-GB"/>
-              <a:t>hallenges Faced by W</a:t>
-            </a:r>
-            <a:r>
-              <a:rPr lang="en-GB"/>
-              <a:t>holesalers and Distributors</a:t>
+              <a:t>Tajir</a:t>
             </a:r>
             <a:endParaRPr/>
           </a:p>
@@ -8002,46 +9134,40 @@
             </a:pPr>
             <a:r>
               <a:rPr lang="en-GB"/>
-              <a:t>Small Customer Base</a:t>
-            </a:r>
-            <a:endParaRPr/>
-          </a:p>
-          <a:p>
-            <a:pPr indent="-342900" lvl="0" marL="457200" rtl="0" algn="l">
-              <a:spcBef>
-                <a:spcPts val="0"/>
-              </a:spcBef>
-              <a:spcAft>
-                <a:spcPts val="0"/>
-              </a:spcAft>
-              <a:buSzPts val="1800"/>
-              <a:buChar char="●"/>
-            </a:pPr>
-            <a:r>
-              <a:rPr lang="en-GB"/>
-              <a:t>Limited Reach</a:t>
-            </a:r>
-            <a:endParaRPr/>
-          </a:p>
-          <a:p>
-            <a:pPr indent="-342900" lvl="0" marL="457200" rtl="0" algn="l">
-              <a:spcBef>
-                <a:spcPts val="0"/>
-              </a:spcBef>
-              <a:spcAft>
-                <a:spcPts val="0"/>
-              </a:spcAft>
-              <a:buSzPts val="1800"/>
-              <a:buChar char="●"/>
-            </a:pPr>
-            <a:r>
-              <a:rPr lang="en-GB"/>
-              <a:t>Information Gaps</a:t>
+              <a:t>Inventory Purchasing Application</a:t>
             </a:r>
             <a:endParaRPr/>
           </a:p>
         </p:txBody>
       </p:sp>
+      <p:pic>
+        <p:nvPicPr>
+          <p:cNvPr id="70" name="Google Shape;70;p15"/>
+          <p:cNvPicPr preferRelativeResize="0"/>
+          <p:nvPr/>
+        </p:nvPicPr>
+        <p:blipFill>
+          <a:blip r:embed="rId3">
+            <a:alphaModFix/>
+          </a:blip>
+          <a:stretch>
+            <a:fillRect/>
+          </a:stretch>
+        </p:blipFill>
+        <p:spPr>
+          <a:xfrm>
+            <a:off x="6191157" y="231750"/>
+            <a:ext cx="2386801" cy="4679998"/>
+          </a:xfrm>
+          <a:prstGeom prst="rect">
+            <a:avLst/>
+          </a:prstGeom>
+          <a:noFill/>
+          <a:ln>
+            <a:noFill/>
+          </a:ln>
+        </p:spPr>
+      </p:pic>
     </p:spTree>
   </p:cSld>
   <p:clrMapOvr>
@@ -8055,7 +9181,7 @@
   <p:cSld>
     <p:spTree>
       <p:nvGrpSpPr>
-        <p:cNvPr id="71" name="Shape 71"/>
+        <p:cNvPr id="74" name="Shape 74"/>
         <p:cNvGrpSpPr/>
         <p:nvPr/>
       </p:nvGrpSpPr>
@@ -8069,7 +9195,7 @@
       </p:grpSpPr>
       <p:sp>
         <p:nvSpPr>
-          <p:cNvPr id="72" name="Google Shape;72;p16"/>
+          <p:cNvPr id="75" name="Google Shape;75;p16"/>
           <p:cNvSpPr txBox="1"/>
           <p:nvPr>
             <p:ph type="title"/>
@@ -8100,20 +9226,36 @@
               <a:buNone/>
             </a:pPr>
             <a:r>
-              <a:rPr lang="en-GB"/>
-              <a:t>Additional</a:t>
-            </a:r>
-            <a:r>
-              <a:rPr lang="en-GB"/>
-              <a:t> Research</a:t>
-            </a:r>
-            <a:endParaRPr/>
+              <a:rPr b="1" lang="en-GB">
+                <a:solidFill>
+                  <a:srgbClr val="6FB457"/>
+                </a:solidFill>
+              </a:rPr>
+              <a:t>Literature</a:t>
+            </a:r>
+            <a:r>
+              <a:rPr b="1" lang="en-GB"/>
+              <a:t> </a:t>
+            </a:r>
+            <a:r>
+              <a:rPr b="1" lang="en-GB">
+                <a:solidFill>
+                  <a:srgbClr val="8BC478"/>
+                </a:solidFill>
+              </a:rPr>
+              <a:t>Review</a:t>
+            </a:r>
+            <a:endParaRPr b="1">
+              <a:solidFill>
+                <a:srgbClr val="8BC478"/>
+              </a:solidFill>
+            </a:endParaRPr>
           </a:p>
         </p:txBody>
       </p:sp>
       <p:sp>
         <p:nvSpPr>
-          <p:cNvPr id="73" name="Google Shape;73;p16"/>
+          <p:cNvPr id="76" name="Google Shape;76;p16"/>
           <p:cNvSpPr txBox="1"/>
           <p:nvPr>
             <p:ph idx="1" type="body"/>
@@ -8130,7 +9272,7 @@
         </p:spPr>
         <p:txBody>
           <a:bodyPr anchorCtr="0" anchor="t" bIns="91425" lIns="91425" spcFirstLastPara="1" rIns="91425" wrap="square" tIns="91425">
-            <a:normAutofit lnSpcReduction="10000"/>
+            <a:normAutofit/>
           </a:bodyPr>
           <a:lstStyle/>
           <a:p>
@@ -8145,155 +9287,132 @@
             </a:pPr>
             <a:r>
               <a:rPr lang="en-GB"/>
-              <a:t>C</a:t>
-            </a:r>
+              <a:t>Automation Boosts Supermarket Performance</a:t>
+            </a:r>
+            <a:endParaRPr/>
+          </a:p>
+          <a:p>
+            <a:pPr indent="0" lvl="0" marL="0" rtl="0" algn="l">
+              <a:spcBef>
+                <a:spcPts val="1200"/>
+              </a:spcBef>
+              <a:spcAft>
+                <a:spcPts val="0"/>
+              </a:spcAft>
+              <a:buNone/>
+            </a:pPr>
             <a:r>
               <a:rPr lang="en-GB"/>
-              <a:t>onducting interviews with different grocery store owners</a:t>
-            </a:r>
-            <a:endParaRPr/>
-          </a:p>
-          <a:p>
-            <a:pPr indent="-342900" lvl="0" marL="457200" rtl="0" algn="l">
+              <a:t>Revolutionise Demand Forecasting Technique</a:t>
+            </a:r>
+            <a:endParaRPr/>
+          </a:p>
+          <a:p>
+            <a:pPr indent="0" lvl="0" marL="0" rtl="0" algn="l">
               <a:spcBef>
                 <a:spcPts val="1200"/>
               </a:spcBef>
               <a:spcAft>
                 <a:spcPts val="0"/>
               </a:spcAft>
-              <a:buSzPts val="1800"/>
-              <a:buChar char="●"/>
+              <a:buNone/>
             </a:pPr>
             <a:r>
               <a:rPr lang="en-GB"/>
-              <a:t>Communication</a:t>
-            </a:r>
+              <a:t>Insights from Industry</a:t>
+            </a:r>
+            <a:endParaRPr/>
+          </a:p>
+          <a:p>
+            <a:pPr indent="0" lvl="0" marL="0" rtl="0" algn="l">
+              <a:spcBef>
+                <a:spcPts val="1200"/>
+              </a:spcBef>
+              <a:spcAft>
+                <a:spcPts val="0"/>
+              </a:spcAft>
+              <a:buNone/>
+            </a:pPr>
             <a:r>
               <a:rPr lang="en-GB"/>
-              <a:t> issues with vendors</a:t>
-            </a:r>
-            <a:endParaRPr/>
-          </a:p>
-          <a:p>
-            <a:pPr indent="-342900" lvl="0" marL="457200" rtl="0" algn="l">
-              <a:spcBef>
-                <a:spcPts val="0"/>
-              </a:spcBef>
-              <a:spcAft>
-                <a:spcPts val="0"/>
-              </a:spcAft>
-              <a:buSzPts val="1800"/>
-              <a:buChar char="●"/>
+              <a:t>Case Study: Corporacion Favorita in Ecuador</a:t>
+            </a:r>
+            <a:endParaRPr/>
+          </a:p>
+          <a:p>
+            <a:pPr indent="0" lvl="0" marL="0" rtl="0" algn="l">
+              <a:spcBef>
+                <a:spcPts val="1200"/>
+              </a:spcBef>
+              <a:spcAft>
+                <a:spcPts val="1200"/>
+              </a:spcAft>
+              <a:buNone/>
             </a:pPr>
             <a:r>
               <a:rPr lang="en-GB"/>
-              <a:t>Authentic or a ‘Mobiler’</a:t>
-            </a:r>
-            <a:endParaRPr/>
-          </a:p>
-          <a:p>
-            <a:pPr indent="-342900" lvl="0" marL="457200" rtl="0" algn="l">
-              <a:spcBef>
-                <a:spcPts val="0"/>
-              </a:spcBef>
-              <a:spcAft>
-                <a:spcPts val="0"/>
-              </a:spcAft>
-              <a:buSzPts val="1800"/>
-              <a:buChar char="●"/>
-            </a:pPr>
-            <a:r>
-              <a:rPr lang="en-GB"/>
-              <a:t>Manually check how much of the items are left</a:t>
-            </a:r>
-            <a:endParaRPr/>
-          </a:p>
-          <a:p>
-            <a:pPr indent="-342900" lvl="0" marL="457200" rtl="0" algn="l">
-              <a:spcBef>
-                <a:spcPts val="0"/>
-              </a:spcBef>
-              <a:spcAft>
-                <a:spcPts val="0"/>
-              </a:spcAft>
-              <a:buSzPts val="1800"/>
-              <a:buChar char="●"/>
-            </a:pPr>
-            <a:r>
-              <a:rPr lang="en-GB"/>
-              <a:t>Only source to new products is through vendors</a:t>
-            </a:r>
-            <a:endParaRPr/>
-          </a:p>
-          <a:p>
-            <a:pPr indent="0" lvl="0" marL="0" rtl="0" algn="l">
-              <a:spcBef>
-                <a:spcPts val="1200"/>
-              </a:spcBef>
-              <a:spcAft>
-                <a:spcPts val="0"/>
-              </a:spcAft>
-              <a:buNone/>
-            </a:pPr>
-            <a:r>
-              <a:rPr lang="en-GB"/>
-              <a:t>Related Systems</a:t>
-            </a:r>
-            <a:endParaRPr/>
-          </a:p>
-          <a:p>
-            <a:pPr indent="-342900" lvl="0" marL="457200" rtl="0" algn="l">
-              <a:spcBef>
-                <a:spcPts val="1200"/>
-              </a:spcBef>
-              <a:spcAft>
-                <a:spcPts val="0"/>
-              </a:spcAft>
-              <a:buSzPts val="1800"/>
-              <a:buChar char="●"/>
-            </a:pPr>
-            <a:r>
-              <a:rPr lang="en-GB"/>
-              <a:t>Shelf Engine</a:t>
-            </a:r>
-            <a:endParaRPr/>
-          </a:p>
-          <a:p>
-            <a:pPr indent="-342900" lvl="0" marL="457200" rtl="0" algn="l">
-              <a:spcBef>
-                <a:spcPts val="0"/>
-              </a:spcBef>
-              <a:spcAft>
-                <a:spcPts val="0"/>
-              </a:spcAft>
-              <a:buSzPts val="1800"/>
-              <a:buChar char="●"/>
-            </a:pPr>
-            <a:r>
-              <a:rPr lang="en-GB"/>
-              <a:t>Guac</a:t>
-            </a:r>
-            <a:endParaRPr/>
-          </a:p>
-          <a:p>
-            <a:pPr indent="-342900" lvl="0" marL="457200" rtl="0" algn="l">
-              <a:spcBef>
-                <a:spcPts val="0"/>
-              </a:spcBef>
-              <a:spcAft>
-                <a:spcPts val="0"/>
-              </a:spcAft>
-              <a:buSzPts val="1800"/>
-              <a:buChar char="●"/>
-            </a:pPr>
-            <a:r>
-              <a:rPr lang="en-GB"/>
-              <a:t>Tajir</a:t>
+              <a:t>Shelf Engine &amp; Guac</a:t>
             </a:r>
             <a:endParaRPr/>
           </a:p>
         </p:txBody>
       </p:sp>
+      <p:pic>
+        <p:nvPicPr>
+          <p:cNvPr id="77" name="Google Shape;77;p16"/>
+          <p:cNvPicPr preferRelativeResize="0"/>
+          <p:nvPr/>
+        </p:nvPicPr>
+        <p:blipFill>
+          <a:blip r:embed="rId3">
+            <a:alphaModFix/>
+          </a:blip>
+          <a:stretch>
+            <a:fillRect/>
+          </a:stretch>
+        </p:blipFill>
+        <p:spPr>
+          <a:xfrm>
+            <a:off x="6494075" y="2768875"/>
+            <a:ext cx="1800000" cy="1800000"/>
+          </a:xfrm>
+          <a:prstGeom prst="rect">
+            <a:avLst/>
+          </a:prstGeom>
+          <a:noFill/>
+          <a:ln>
+            <a:noFill/>
+          </a:ln>
+        </p:spPr>
+      </p:pic>
+      <p:pic>
+        <p:nvPicPr>
+          <p:cNvPr id="78" name="Google Shape;78;p16"/>
+          <p:cNvPicPr preferRelativeResize="0"/>
+          <p:nvPr/>
+        </p:nvPicPr>
+        <p:blipFill>
+          <a:blip r:embed="rId4">
+            <a:alphaModFix/>
+          </a:blip>
+          <a:stretch>
+            <a:fillRect/>
+          </a:stretch>
+        </p:blipFill>
+        <p:spPr>
+          <a:xfrm>
+            <a:off x="6494075" y="445025"/>
+            <a:ext cx="1800000" cy="1800000"/>
+          </a:xfrm>
+          <a:prstGeom prst="rect">
+            <a:avLst/>
+          </a:prstGeom>
+          <a:noFill/>
+          <a:ln>
+            <a:noFill/>
+          </a:ln>
+        </p:spPr>
+      </p:pic>
     </p:spTree>
   </p:cSld>
   <p:clrMapOvr>
@@ -8307,7 +9426,7 @@
   <p:cSld>
     <p:spTree>
       <p:nvGrpSpPr>
-        <p:cNvPr id="77" name="Shape 77"/>
+        <p:cNvPr id="82" name="Shape 82"/>
         <p:cNvGrpSpPr/>
         <p:nvPr/>
       </p:nvGrpSpPr>
@@ -8321,7 +9440,7 @@
       </p:grpSpPr>
       <p:sp>
         <p:nvSpPr>
-          <p:cNvPr id="78" name="Google Shape;78;p17"/>
+          <p:cNvPr id="83" name="Google Shape;83;p17"/>
           <p:cNvSpPr txBox="1"/>
           <p:nvPr>
             <p:ph type="title"/>
@@ -8352,16 +9471,367 @@
               <a:buNone/>
             </a:pPr>
             <a:r>
-              <a:rPr lang="en-GB"/>
-              <a:t>Proposed Solution</a:t>
-            </a:r>
-            <a:endParaRPr/>
+              <a:rPr b="1" lang="en-GB">
+                <a:solidFill>
+                  <a:srgbClr val="6FB457"/>
+                </a:solidFill>
+              </a:rPr>
+              <a:t>Proposed</a:t>
+            </a:r>
+            <a:r>
+              <a:rPr b="1" lang="en-GB"/>
+              <a:t> </a:t>
+            </a:r>
+            <a:r>
+              <a:rPr b="1" lang="en-GB">
+                <a:solidFill>
+                  <a:srgbClr val="8BC478"/>
+                </a:solidFill>
+              </a:rPr>
+              <a:t>Solution</a:t>
+            </a:r>
+            <a:endParaRPr b="1">
+              <a:solidFill>
+                <a:srgbClr val="8BC478"/>
+              </a:solidFill>
+            </a:endParaRPr>
           </a:p>
         </p:txBody>
       </p:sp>
       <p:sp>
         <p:nvSpPr>
-          <p:cNvPr id="79" name="Google Shape;79;p17"/>
+          <p:cNvPr id="84" name="Google Shape;84;p17"/>
+          <p:cNvSpPr txBox="1"/>
+          <p:nvPr>
+            <p:ph idx="1" type="body"/>
+          </p:nvPr>
+        </p:nvSpPr>
+        <p:spPr>
+          <a:xfrm>
+            <a:off x="311700" y="1152475"/>
+            <a:ext cx="5430000" cy="3416400"/>
+          </a:xfrm>
+          <a:prstGeom prst="rect">
+            <a:avLst/>
+          </a:prstGeom>
+        </p:spPr>
+        <p:txBody>
+          <a:bodyPr anchorCtr="0" anchor="t" bIns="91425" lIns="91425" spcFirstLastPara="1" rIns="91425" wrap="square" tIns="91425">
+            <a:normAutofit/>
+          </a:bodyPr>
+          <a:lstStyle/>
+          <a:p>
+            <a:pPr indent="0" lvl="0" marL="0" rtl="0" algn="l">
+              <a:spcBef>
+                <a:spcPts val="0"/>
+              </a:spcBef>
+              <a:spcAft>
+                <a:spcPts val="0"/>
+              </a:spcAft>
+              <a:buClr>
+                <a:schemeClr val="dk1"/>
+              </a:buClr>
+              <a:buSzPts val="1100"/>
+              <a:buFont typeface="Arial"/>
+              <a:buNone/>
+            </a:pPr>
+            <a:r>
+              <a:rPr lang="en-GB"/>
+              <a:t>Bridging</a:t>
+            </a:r>
+            <a:r>
+              <a:rPr lang="en-GB"/>
+              <a:t> the gap between vendors and grocery stores while </a:t>
+            </a:r>
+            <a:r>
+              <a:rPr lang="en-GB"/>
+              <a:t>predicting the perfect amount to order</a:t>
+            </a:r>
+            <a:r>
+              <a:rPr lang="en-GB"/>
+              <a:t>.</a:t>
+            </a:r>
+            <a:endParaRPr/>
+          </a:p>
+          <a:p>
+            <a:pPr indent="-342900" lvl="0" marL="457200" rtl="0" algn="l">
+              <a:lnSpc>
+                <a:spcPct val="150000"/>
+              </a:lnSpc>
+              <a:spcBef>
+                <a:spcPts val="1200"/>
+              </a:spcBef>
+              <a:spcAft>
+                <a:spcPts val="0"/>
+              </a:spcAft>
+              <a:buSzPts val="1800"/>
+              <a:buChar char="●"/>
+            </a:pPr>
+            <a:r>
+              <a:rPr lang="en-GB"/>
+              <a:t>Authentication and Discoverability</a:t>
+            </a:r>
+            <a:endParaRPr/>
+          </a:p>
+          <a:p>
+            <a:pPr indent="-342900" lvl="0" marL="457200" rtl="0" algn="l">
+              <a:lnSpc>
+                <a:spcPct val="150000"/>
+              </a:lnSpc>
+              <a:spcBef>
+                <a:spcPts val="0"/>
+              </a:spcBef>
+              <a:spcAft>
+                <a:spcPts val="0"/>
+              </a:spcAft>
+              <a:buSzPts val="1800"/>
+              <a:buChar char="●"/>
+            </a:pPr>
+            <a:r>
+              <a:rPr lang="en-GB"/>
+              <a:t>Forming Connections</a:t>
+            </a:r>
+            <a:endParaRPr/>
+          </a:p>
+          <a:p>
+            <a:pPr indent="-342900" lvl="0" marL="457200" rtl="0" algn="l">
+              <a:lnSpc>
+                <a:spcPct val="150000"/>
+              </a:lnSpc>
+              <a:spcBef>
+                <a:spcPts val="0"/>
+              </a:spcBef>
+              <a:spcAft>
+                <a:spcPts val="0"/>
+              </a:spcAft>
+              <a:buSzPts val="1800"/>
+              <a:buChar char="●"/>
+            </a:pPr>
+            <a:r>
+              <a:rPr lang="en-GB"/>
+              <a:t>Demand Forecasting</a:t>
+            </a:r>
+            <a:endParaRPr/>
+          </a:p>
+          <a:p>
+            <a:pPr indent="-342900" lvl="0" marL="457200" rtl="0" algn="l">
+              <a:lnSpc>
+                <a:spcPct val="150000"/>
+              </a:lnSpc>
+              <a:spcBef>
+                <a:spcPts val="0"/>
+              </a:spcBef>
+              <a:spcAft>
+                <a:spcPts val="0"/>
+              </a:spcAft>
+              <a:buSzPts val="1800"/>
+              <a:buChar char="●"/>
+            </a:pPr>
+            <a:r>
+              <a:rPr lang="en-GB"/>
+              <a:t>Order Placement and Tracking</a:t>
+            </a:r>
+            <a:endParaRPr/>
+          </a:p>
+          <a:p>
+            <a:pPr indent="0" lvl="0" marL="0" rtl="0" algn="l">
+              <a:spcBef>
+                <a:spcPts val="1200"/>
+              </a:spcBef>
+              <a:spcAft>
+                <a:spcPts val="1200"/>
+              </a:spcAft>
+              <a:buClr>
+                <a:schemeClr val="dk1"/>
+              </a:buClr>
+              <a:buSzPts val="1100"/>
+              <a:buFont typeface="Arial"/>
+              <a:buNone/>
+            </a:pPr>
+            <a:r>
+              <a:t/>
+            </a:r>
+            <a:endParaRPr/>
+          </a:p>
+        </p:txBody>
+      </p:sp>
+      <p:pic>
+        <p:nvPicPr>
+          <p:cNvPr id="85" name="Google Shape;85;p17"/>
+          <p:cNvPicPr preferRelativeResize="0"/>
+          <p:nvPr/>
+        </p:nvPicPr>
+        <p:blipFill>
+          <a:blip r:embed="rId3">
+            <a:alphaModFix/>
+          </a:blip>
+          <a:stretch>
+            <a:fillRect/>
+          </a:stretch>
+        </p:blipFill>
+        <p:spPr>
+          <a:xfrm>
+            <a:off x="5741741" y="0"/>
+            <a:ext cx="2893219" cy="5143501"/>
+          </a:xfrm>
+          <a:prstGeom prst="rect">
+            <a:avLst/>
+          </a:prstGeom>
+          <a:noFill/>
+          <a:ln>
+            <a:noFill/>
+          </a:ln>
+        </p:spPr>
+      </p:pic>
+      <p:sp>
+        <p:nvSpPr>
+          <p:cNvPr id="86" name="Google Shape;86;p17"/>
+          <p:cNvSpPr/>
+          <p:nvPr/>
+        </p:nvSpPr>
+        <p:spPr>
+          <a:xfrm>
+            <a:off x="8452675" y="0"/>
+            <a:ext cx="309900" cy="5143500"/>
+          </a:xfrm>
+          <a:prstGeom prst="rect">
+            <a:avLst/>
+          </a:prstGeom>
+          <a:solidFill>
+            <a:schemeClr val="lt1"/>
+          </a:solidFill>
+          <a:ln cap="flat" cmpd="sng" w="9525">
+            <a:solidFill>
+              <a:schemeClr val="lt1"/>
+            </a:solidFill>
+            <a:prstDash val="solid"/>
+            <a:round/>
+            <a:headEnd len="sm" w="sm" type="none"/>
+            <a:tailEnd len="sm" w="sm" type="none"/>
+          </a:ln>
+        </p:spPr>
+        <p:txBody>
+          <a:bodyPr anchorCtr="0" anchor="ctr" bIns="91425" lIns="91425" spcFirstLastPara="1" rIns="91425" wrap="square" tIns="91425">
+            <a:noAutofit/>
+          </a:bodyPr>
+          <a:lstStyle/>
+          <a:p>
+            <a:pPr indent="0" lvl="0" marL="0" rtl="0" algn="ctr">
+              <a:spcBef>
+                <a:spcPts val="0"/>
+              </a:spcBef>
+              <a:spcAft>
+                <a:spcPts val="0"/>
+              </a:spcAft>
+              <a:buNone/>
+            </a:pPr>
+            <a:r>
+              <a:t/>
+            </a:r>
+            <a:endParaRPr/>
+          </a:p>
+        </p:txBody>
+      </p:sp>
+    </p:spTree>
+  </p:cSld>
+  <p:clrMapOvr>
+    <a:masterClrMapping/>
+  </p:clrMapOvr>
+</p:sld>
+</file>
+
+<file path=ppt/slides/slide6.xml><?xml version="1.0" encoding="utf-8"?>
+<p:sld xmlns:a="http://schemas.openxmlformats.org/drawingml/2006/main" xmlns:r="http://schemas.openxmlformats.org/officeDocument/2006/relationships" xmlns:mc="http://schemas.openxmlformats.org/markup-compatibility/2006" xmlns:mv="urn:schemas-microsoft-com:mac:vml" xmlns:p="http://schemas.openxmlformats.org/presentationml/2006/main" xmlns:c="http://schemas.openxmlformats.org/drawingml/2006/chart" xmlns:dgm="http://schemas.openxmlformats.org/drawingml/2006/diagram" xmlns:o="urn:schemas-microsoft-com:office:office" xmlns:v="urn:schemas-microsoft-com:vml" xmlns:pvml="urn:schemas-microsoft-com:office:powerpoint" xmlns:com="http://schemas.openxmlformats.org/drawingml/2006/compatibility" xmlns:p14="http://schemas.microsoft.com/office/powerpoint/2010/main" xmlns:p15="http://schemas.microsoft.com/office/powerpoint/2012/main" xmlns:ahyp="http://schemas.microsoft.com/office/drawing/2018/hyperlinkcolor">
+  <p:cSld>
+    <p:spTree>
+      <p:nvGrpSpPr>
+        <p:cNvPr id="90" name="Shape 90"/>
+        <p:cNvGrpSpPr/>
+        <p:nvPr/>
+      </p:nvGrpSpPr>
+      <p:grpSpPr>
+        <a:xfrm>
+          <a:off x="0" y="0"/>
+          <a:ext cx="0" cy="0"/>
+          <a:chOff x="0" y="0"/>
+          <a:chExt cx="0" cy="0"/>
+        </a:xfrm>
+      </p:grpSpPr>
+      <p:sp>
+        <p:nvSpPr>
+          <p:cNvPr id="91" name="Google Shape;91;p18"/>
+          <p:cNvSpPr txBox="1"/>
+          <p:nvPr>
+            <p:ph type="title"/>
+          </p:nvPr>
+        </p:nvSpPr>
+        <p:spPr>
+          <a:xfrm>
+            <a:off x="311700" y="445025"/>
+            <a:ext cx="8520600" cy="572700"/>
+          </a:xfrm>
+          <a:prstGeom prst="rect">
+            <a:avLst/>
+          </a:prstGeom>
+        </p:spPr>
+        <p:txBody>
+          <a:bodyPr anchorCtr="0" anchor="t" bIns="91425" lIns="91425" spcFirstLastPara="1" rIns="91425" wrap="square" tIns="91425">
+            <a:normAutofit fontScale="90000"/>
+          </a:bodyPr>
+          <a:lstStyle/>
+          <a:p>
+            <a:pPr indent="0" lvl="0" marL="0" rtl="0" algn="l">
+              <a:spcBef>
+                <a:spcPts val="0"/>
+              </a:spcBef>
+              <a:spcAft>
+                <a:spcPts val="0"/>
+              </a:spcAft>
+              <a:buNone/>
+            </a:pPr>
+            <a:r>
+              <a:rPr b="1" lang="en-GB">
+                <a:solidFill>
+                  <a:srgbClr val="6FB457"/>
+                </a:solidFill>
+              </a:rPr>
+              <a:t>Authentication </a:t>
+            </a:r>
+            <a:r>
+              <a:rPr b="1" lang="en-GB">
+                <a:solidFill>
+                  <a:srgbClr val="8BC478"/>
+                </a:solidFill>
+              </a:rPr>
+              <a:t>and</a:t>
+            </a:r>
+            <a:r>
+              <a:rPr b="1" lang="en-GB">
+                <a:solidFill>
+                  <a:srgbClr val="6FB457"/>
+                </a:solidFill>
+              </a:rPr>
+              <a:t> </a:t>
+            </a:r>
+            <a:r>
+              <a:rPr b="1" lang="en-GB">
+                <a:solidFill>
+                  <a:srgbClr val="8BC478"/>
+                </a:solidFill>
+              </a:rPr>
+              <a:t>Discoverability</a:t>
+            </a:r>
+            <a:endParaRPr b="1">
+              <a:solidFill>
+                <a:srgbClr val="8BC478"/>
+              </a:solidFill>
+            </a:endParaRPr>
+          </a:p>
+        </p:txBody>
+      </p:sp>
+      <p:sp>
+        <p:nvSpPr>
+          <p:cNvPr id="92" name="Google Shape;92;p18"/>
           <p:cNvSpPr txBox="1"/>
           <p:nvPr>
             <p:ph idx="1" type="body"/>
@@ -8389,16 +9859,66 @@
               <a:spcAft>
                 <a:spcPts val="0"/>
               </a:spcAft>
-              <a:buClr>
-                <a:schemeClr val="dk1"/>
-              </a:buClr>
-              <a:buSzPts val="1100"/>
-              <a:buFont typeface="Arial"/>
               <a:buNone/>
             </a:pPr>
             <a:r>
               <a:rPr lang="en-GB"/>
-              <a:t>Automating the Grocery Industry</a:t>
+              <a:t>Authentication:</a:t>
+            </a:r>
+            <a:endParaRPr/>
+          </a:p>
+          <a:p>
+            <a:pPr indent="-342900" lvl="0" marL="457200" rtl="0" algn="l">
+              <a:spcBef>
+                <a:spcPts val="1200"/>
+              </a:spcBef>
+              <a:spcAft>
+                <a:spcPts val="0"/>
+              </a:spcAft>
+              <a:buSzPts val="1800"/>
+              <a:buChar char="●"/>
+            </a:pPr>
+            <a:r>
+              <a:rPr lang="en-GB"/>
+              <a:t>Submit Personal Information</a:t>
+            </a:r>
+            <a:endParaRPr/>
+          </a:p>
+          <a:p>
+            <a:pPr indent="-342900" lvl="0" marL="457200" rtl="0" algn="l">
+              <a:spcBef>
+                <a:spcPts val="0"/>
+              </a:spcBef>
+              <a:spcAft>
+                <a:spcPts val="0"/>
+              </a:spcAft>
+              <a:buSzPts val="1800"/>
+              <a:buChar char="●"/>
+            </a:pPr>
+            <a:r>
+              <a:rPr lang="en-GB"/>
+              <a:t>Upload </a:t>
+            </a:r>
+            <a:r>
+              <a:rPr lang="en-GB"/>
+              <a:t>ID Card</a:t>
+            </a:r>
+            <a:endParaRPr/>
+          </a:p>
+          <a:p>
+            <a:pPr indent="-342900" lvl="0" marL="457200" rtl="0" algn="l">
+              <a:spcBef>
+                <a:spcPts val="0"/>
+              </a:spcBef>
+              <a:spcAft>
+                <a:spcPts val="0"/>
+              </a:spcAft>
+              <a:buSzPts val="1800"/>
+              <a:buChar char="●"/>
+            </a:pPr>
+            <a:r>
+              <a:rPr lang="en-GB"/>
+              <a:t>Verification Process</a:t>
             </a:r>
             <a:endParaRPr/>
           </a:p>
@@ -8414,60 +9934,118 @@
             </a:pPr>
             <a:r>
               <a:rPr lang="en-GB"/>
-              <a:t>Reducing Food Waste Using Demand Forecasting System (ML)</a:t>
-            </a:r>
-            <a:endParaRPr/>
-          </a:p>
-          <a:p>
-            <a:pPr indent="0" lvl="0" marL="0" rtl="0" algn="l">
+              <a:t>Discoverability:</a:t>
+            </a:r>
+            <a:endParaRPr/>
+          </a:p>
+          <a:p>
+            <a:pPr indent="-342900" lvl="0" marL="457200" rtl="0" algn="l">
               <a:spcBef>
                 <a:spcPts val="1200"/>
               </a:spcBef>
               <a:spcAft>
                 <a:spcPts val="0"/>
               </a:spcAft>
-              <a:buNone/>
+              <a:buSzPts val="1800"/>
+              <a:buChar char="●"/>
             </a:pPr>
             <a:r>
               <a:rPr lang="en-GB"/>
-              <a:t>Advanced Data Analytics and Machine Learning Leveraging System</a:t>
-            </a:r>
-            <a:endParaRPr/>
-          </a:p>
-          <a:p>
-            <a:pPr indent="0" lvl="0" marL="0" rtl="0" algn="l">
-              <a:spcBef>
-                <a:spcPts val="1200"/>
-              </a:spcBef>
-              <a:spcAft>
-                <a:spcPts val="0"/>
-              </a:spcAft>
-              <a:buNone/>
+              <a:t>Search Product</a:t>
+            </a:r>
+            <a:endParaRPr/>
+          </a:p>
+          <a:p>
+            <a:pPr indent="-342900" lvl="0" marL="457200" rtl="0" algn="l">
+              <a:spcBef>
+                <a:spcPts val="0"/>
+              </a:spcBef>
+              <a:spcAft>
+                <a:spcPts val="0"/>
+              </a:spcAft>
+              <a:buSzPts val="1800"/>
+              <a:buChar char="●"/>
             </a:pPr>
             <a:r>
               <a:rPr lang="en-GB"/>
-              <a:t>Overstocking or Understocking Risk Mitigation</a:t>
-            </a:r>
-            <a:endParaRPr/>
-          </a:p>
-          <a:p>
-            <a:pPr indent="0" lvl="0" marL="0" rtl="0" algn="l">
-              <a:spcBef>
-                <a:spcPts val="1200"/>
-              </a:spcBef>
-              <a:spcAft>
-                <a:spcPts val="1200"/>
-              </a:spcAft>
-              <a:buClr>
-                <a:schemeClr val="dk1"/>
-              </a:buClr>
-              <a:buSzPts val="1100"/>
-              <a:buFont typeface="Arial"/>
-              <a:buNone/>
-            </a:pPr>
-            <a:r>
-              <a:rPr lang="en-GB"/>
-              <a:t>Optimise Grocery Sales with Demand Trends and Factors i.e. Weather, Traffic, and Housing Prices.</a:t>
+              <a:t>Vendor Listings</a:t>
+            </a:r>
+            <a:endParaRPr/>
+          </a:p>
+        </p:txBody>
+      </p:sp>
+      <p:pic>
+        <p:nvPicPr>
+          <p:cNvPr id="93" name="Google Shape;93;p18"/>
+          <p:cNvPicPr preferRelativeResize="0"/>
+          <p:nvPr/>
+        </p:nvPicPr>
+        <p:blipFill>
+          <a:blip r:embed="rId3">
+            <a:alphaModFix/>
+          </a:blip>
+          <a:stretch>
+            <a:fillRect/>
+          </a:stretch>
+        </p:blipFill>
+        <p:spPr>
+          <a:xfrm>
+            <a:off x="5742616" y="0"/>
+            <a:ext cx="2893219" cy="5143501"/>
+          </a:xfrm>
+          <a:prstGeom prst="rect">
+            <a:avLst/>
+          </a:prstGeom>
+          <a:noFill/>
+          <a:ln>
+            <a:noFill/>
+          </a:ln>
+        </p:spPr>
+      </p:pic>
+      <p:sp>
+        <p:nvSpPr>
+          <p:cNvPr id="94" name="Google Shape;94;p18"/>
+          <p:cNvSpPr/>
+          <p:nvPr/>
+        </p:nvSpPr>
+        <p:spPr>
+          <a:xfrm>
+            <a:off x="8452675" y="0"/>
+            <a:ext cx="309900" cy="5143500"/>
+          </a:xfrm>
+          <a:prstGeom prst="rect">
+            <a:avLst/>
+          </a:prstGeom>
+          <a:solidFill>
+            <a:schemeClr val="lt1"/>
+          </a:solidFill>
+          <a:ln cap="flat" cmpd="sng" w="9525">
+            <a:solidFill>
+              <a:schemeClr val="lt1"/>
+            </a:solidFill>
+            <a:prstDash val="solid"/>
+            <a:round/>
+            <a:headEnd len="sm" w="sm" type="none"/>
+            <a:tailEnd len="sm" w="sm" type="none"/>
+          </a:ln>
+        </p:spPr>
+        <p:txBody>
+          <a:bodyPr anchorCtr="0" anchor="ctr" bIns="91425" lIns="91425" spcFirstLastPara="1" rIns="91425" wrap="square" tIns="91425">
+            <a:noAutofit/>
+          </a:bodyPr>
+          <a:lstStyle/>
+          <a:p>
+            <a:pPr indent="0" lvl="0" marL="0" rtl="0" algn="ctr">
+              <a:spcBef>
+                <a:spcPts val="0"/>
+              </a:spcBef>
+              <a:spcAft>
+                <a:spcPts val="0"/>
+              </a:spcAft>
+              <a:buNone/>
+            </a:pPr>
+            <a:r>
+              <a:t/>
             </a:r>
             <a:endParaRPr/>
           </a:p>
@@ -8481,12 +10059,12 @@
 </p:sld>
 </file>
 
-<file path=ppt/slides/slide6.xml><?xml version="1.0" encoding="utf-8"?>
+<file path=ppt/slides/slide7.xml><?xml version="1.0" encoding="utf-8"?>
 <p:sld xmlns:a="http://schemas.openxmlformats.org/drawingml/2006/main" xmlns:r="http://schemas.openxmlformats.org/officeDocument/2006/relationships" xmlns:mc="http://schemas.openxmlformats.org/markup-compatibility/2006" xmlns:mv="urn:schemas-microsoft-com:mac:vml" xmlns:p="http://schemas.openxmlformats.org/presentationml/2006/main" xmlns:c="http://schemas.openxmlformats.org/drawingml/2006/chart" xmlns:dgm="http://schemas.openxmlformats.org/drawingml/2006/diagram" xmlns:o="urn:schemas-microsoft-com:office:office" xmlns:v="urn:schemas-microsoft-com:vml" xmlns:pvml="urn:schemas-microsoft-com:office:powerpoint" xmlns:com="http://schemas.openxmlformats.org/drawingml/2006/compatibility" xmlns:p14="http://schemas.microsoft.com/office/powerpoint/2010/main" xmlns:p15="http://schemas.microsoft.com/office/powerpoint/2012/main" xmlns:ahyp="http://schemas.microsoft.com/office/drawing/2018/hyperlinkcolor">
   <p:cSld>
     <p:spTree>
       <p:nvGrpSpPr>
-        <p:cNvPr id="83" name="Shape 83"/>
+        <p:cNvPr id="98" name="Shape 98"/>
         <p:cNvGrpSpPr/>
         <p:nvPr/>
       </p:nvGrpSpPr>
@@ -8500,7 +10078,7 @@
       </p:grpSpPr>
       <p:sp>
         <p:nvSpPr>
-          <p:cNvPr id="84" name="Google Shape;84;p18"/>
+          <p:cNvPr id="99" name="Google Shape;99;p19"/>
           <p:cNvSpPr txBox="1"/>
           <p:nvPr>
             <p:ph type="title"/>
@@ -8528,24 +10106,35 @@
               <a:spcAft>
                 <a:spcPts val="0"/>
               </a:spcAft>
-              <a:buClr>
-                <a:schemeClr val="dk1"/>
-              </a:buClr>
-              <a:buSzPct val="39285"/>
-              <a:buFont typeface="Arial"/>
-              <a:buNone/>
-            </a:pPr>
-            <a:r>
-              <a:rPr lang="en-GB"/>
-              <a:t>Proposed Solution</a:t>
-            </a:r>
-            <a:endParaRPr/>
+              <a:buNone/>
+            </a:pPr>
+            <a:r>
+              <a:rPr b="1" lang="en-GB">
+                <a:solidFill>
+                  <a:srgbClr val="6FB457"/>
+                </a:solidFill>
+              </a:rPr>
+              <a:t>Forming </a:t>
+            </a:r>
+            <a:r>
+              <a:rPr b="1" lang="en-GB">
+                <a:solidFill>
+                  <a:srgbClr val="8BC478"/>
+                </a:solidFill>
+              </a:rPr>
+              <a:t>Connections</a:t>
+            </a:r>
+            <a:endParaRPr b="1">
+              <a:solidFill>
+                <a:srgbClr val="8BC478"/>
+              </a:solidFill>
+            </a:endParaRPr>
           </a:p>
         </p:txBody>
       </p:sp>
       <p:sp>
         <p:nvSpPr>
-          <p:cNvPr id="85" name="Google Shape;85;p18"/>
+          <p:cNvPr id="100" name="Google Shape;100;p19"/>
           <p:cNvSpPr txBox="1"/>
           <p:nvPr>
             <p:ph idx="1" type="body"/>
@@ -8573,20 +10162,27 @@
               <a:spcAft>
                 <a:spcPts val="0"/>
               </a:spcAft>
-              <a:buClr>
-                <a:schemeClr val="dk1"/>
-              </a:buClr>
-              <a:buSzPts val="1100"/>
-              <a:buFont typeface="Arial"/>
               <a:buNone/>
             </a:pPr>
             <a:r>
               <a:rPr lang="en-GB"/>
-              <a:t>V</a:t>
-            </a:r>
+              <a:t>User Accounts</a:t>
+            </a:r>
+            <a:endParaRPr/>
+          </a:p>
+          <a:p>
+            <a:pPr indent="0" lvl="0" marL="0" rtl="0" algn="l">
+              <a:spcBef>
+                <a:spcPts val="1200"/>
+              </a:spcBef>
+              <a:spcAft>
+                <a:spcPts val="0"/>
+              </a:spcAft>
+              <a:buNone/>
+            </a:pPr>
             <a:r>
               <a:rPr lang="en-GB"/>
-              <a:t>endor-Grocery Stores Collaborative Platform</a:t>
+              <a:t>Product Listings</a:t>
             </a:r>
             <a:endParaRPr/>
           </a:p>
@@ -8598,16 +10194,15 @@
               <a:spcAft>
                 <a:spcPts val="0"/>
               </a:spcAft>
-              <a:buClr>
-                <a:schemeClr val="dk1"/>
-              </a:buClr>
-              <a:buSzPts val="1100"/>
-              <a:buFont typeface="Arial"/>
               <a:buNone/>
             </a:pPr>
             <a:r>
               <a:rPr lang="en-GB"/>
-              <a:t>Registration</a:t>
+              <a:t>Connection </a:t>
+            </a:r>
+            <a:r>
+              <a:rPr lang="en-GB"/>
+              <a:t>Request</a:t>
             </a:r>
             <a:endParaRPr/>
           </a:p>
@@ -8617,102 +10212,90 @@
                 <a:spcPts val="1200"/>
               </a:spcBef>
               <a:spcAft>
-                <a:spcPts val="0"/>
-              </a:spcAft>
-              <a:buClr>
-                <a:schemeClr val="dk1"/>
-              </a:buClr>
-              <a:buSzPts val="1100"/>
-              <a:buFont typeface="Arial"/>
+                <a:spcPts val="1200"/>
+              </a:spcAft>
               <a:buNone/>
             </a:pPr>
             <a:r>
               <a:rPr lang="en-GB"/>
-              <a:t>Authentication of Users</a:t>
-            </a:r>
-            <a:endParaRPr/>
-          </a:p>
-          <a:p>
-            <a:pPr indent="0" lvl="0" marL="0" rtl="0" algn="l">
-              <a:spcBef>
-                <a:spcPts val="1200"/>
-              </a:spcBef>
-              <a:spcAft>
-                <a:spcPts val="0"/>
-              </a:spcAft>
-              <a:buClr>
-                <a:schemeClr val="dk1"/>
-              </a:buClr>
-              <a:buSzPts val="1100"/>
-              <a:buFont typeface="Arial"/>
-              <a:buNone/>
-            </a:pPr>
-            <a:r>
-              <a:rPr lang="en-GB"/>
-              <a:t>Develop Connections</a:t>
-            </a:r>
-            <a:endParaRPr/>
-          </a:p>
-          <a:p>
-            <a:pPr indent="0" lvl="0" marL="0" rtl="0" algn="l">
-              <a:spcBef>
-                <a:spcPts val="1200"/>
-              </a:spcBef>
-              <a:spcAft>
-                <a:spcPts val="0"/>
-              </a:spcAft>
-              <a:buClr>
-                <a:schemeClr val="dk1"/>
-              </a:buClr>
-              <a:buSzPts val="1100"/>
-              <a:buFont typeface="Arial"/>
-              <a:buNone/>
-            </a:pPr>
-            <a:r>
-              <a:rPr lang="en-GB"/>
-              <a:t>Order Tracking</a:t>
-            </a:r>
-            <a:endParaRPr/>
-          </a:p>
-          <a:p>
-            <a:pPr indent="0" lvl="0" marL="0" rtl="0" algn="l">
-              <a:spcBef>
-                <a:spcPts val="1200"/>
-              </a:spcBef>
-              <a:spcAft>
-                <a:spcPts val="0"/>
-              </a:spcAft>
-              <a:buClr>
-                <a:schemeClr val="dk1"/>
-              </a:buClr>
-              <a:buSzPts val="1100"/>
-              <a:buFont typeface="Arial"/>
-              <a:buNone/>
-            </a:pPr>
-            <a:r>
-              <a:rPr lang="en-GB"/>
-              <a:t>Intuitive Navigation for Sales and Purchases</a:t>
-            </a:r>
-            <a:endParaRPr/>
-          </a:p>
-          <a:p>
-            <a:pPr indent="0" lvl="0" marL="0" rtl="0" algn="l">
-              <a:spcBef>
-                <a:spcPts val="1200"/>
-              </a:spcBef>
-              <a:spcAft>
-                <a:spcPts val="1200"/>
-              </a:spcAft>
-              <a:buClr>
-                <a:schemeClr val="dk1"/>
-              </a:buClr>
-              <a:buSzPts val="1100"/>
-              <a:buFont typeface="Arial"/>
-              <a:buNone/>
-            </a:pPr>
-            <a:r>
-              <a:rPr lang="en-GB"/>
-              <a:t>Assisted Vendor Search for Specific Products</a:t>
+              <a:t>Store/Vendor List</a:t>
+            </a:r>
+            <a:endParaRPr/>
+          </a:p>
+        </p:txBody>
+      </p:sp>
+      <p:pic>
+        <p:nvPicPr>
+          <p:cNvPr id="101" name="Google Shape;101;p19"/>
+          <p:cNvPicPr preferRelativeResize="0"/>
+          <p:nvPr/>
+        </p:nvPicPr>
+        <p:blipFill>
+          <a:blip r:embed="rId3">
+            <a:alphaModFix/>
+          </a:blip>
+          <a:stretch>
+            <a:fillRect/>
+          </a:stretch>
+        </p:blipFill>
+        <p:spPr>
+          <a:xfrm>
+            <a:off x="5742641" y="0"/>
+            <a:ext cx="2893219" cy="5143501"/>
+          </a:xfrm>
+          <a:prstGeom prst="rect">
+            <a:avLst/>
+          </a:prstGeom>
+          <a:noFill/>
+          <a:ln>
+            <a:noFill/>
+          </a:ln>
+        </p:spPr>
+      </p:pic>
+      <p:sp>
+        <p:nvSpPr>
+          <p:cNvPr id="102" name="Google Shape;102;p19"/>
+          <p:cNvSpPr/>
+          <p:nvPr/>
+        </p:nvSpPr>
+        <p:spPr>
+          <a:xfrm>
+            <a:off x="8452675" y="0"/>
+            <a:ext cx="309900" cy="5143500"/>
+          </a:xfrm>
+          <a:prstGeom prst="rect">
+            <a:avLst/>
+          </a:prstGeom>
+          <a:solidFill>
+            <a:schemeClr val="lt1"/>
+          </a:solidFill>
+          <a:ln cap="flat" cmpd="sng" w="9525">
+            <a:solidFill>
+              <a:schemeClr val="lt1"/>
+            </a:solidFill>
+            <a:prstDash val="solid"/>
+            <a:round/>
+            <a:headEnd len="sm" w="sm" type="none"/>
+            <a:tailEnd len="sm" w="sm" type="none"/>
+          </a:ln>
+        </p:spPr>
+        <p:txBody>
+          <a:bodyPr anchorCtr="0" anchor="ctr" bIns="91425" lIns="91425" spcFirstLastPara="1" rIns="91425" wrap="square" tIns="91425">
+            <a:noAutofit/>
+          </a:bodyPr>
+          <a:lstStyle/>
+          <a:p>
+            <a:pPr indent="0" lvl="0" marL="0" rtl="0" algn="ctr">
+              <a:spcBef>
+                <a:spcPts val="0"/>
+              </a:spcBef>
+              <a:spcAft>
+                <a:spcPts val="0"/>
+              </a:spcAft>
+              <a:buNone/>
+            </a:pPr>
+            <a:r>
+              <a:t/>
             </a:r>
             <a:endParaRPr/>
           </a:p>
@@ -8726,12 +10309,12 @@
 </p:sld>
 </file>
 
-<file path=ppt/slides/slide7.xml><?xml version="1.0" encoding="utf-8"?>
+<file path=ppt/slides/slide8.xml><?xml version="1.0" encoding="utf-8"?>
 <p:sld xmlns:a="http://schemas.openxmlformats.org/drawingml/2006/main" xmlns:r="http://schemas.openxmlformats.org/officeDocument/2006/relationships" xmlns:mc="http://schemas.openxmlformats.org/markup-compatibility/2006" xmlns:mv="urn:schemas-microsoft-com:mac:vml" xmlns:p="http://schemas.openxmlformats.org/presentationml/2006/main" xmlns:c="http://schemas.openxmlformats.org/drawingml/2006/chart" xmlns:dgm="http://schemas.openxmlformats.org/drawingml/2006/diagram" xmlns:o="urn:schemas-microsoft-com:office:office" xmlns:v="urn:schemas-microsoft-com:vml" xmlns:pvml="urn:schemas-microsoft-com:office:powerpoint" xmlns:com="http://schemas.openxmlformats.org/drawingml/2006/compatibility" xmlns:p14="http://schemas.microsoft.com/office/powerpoint/2010/main" xmlns:p15="http://schemas.microsoft.com/office/powerpoint/2012/main" xmlns:ahyp="http://schemas.microsoft.com/office/drawing/2018/hyperlinkcolor">
   <p:cSld>
     <p:spTree>
       <p:nvGrpSpPr>
-        <p:cNvPr id="89" name="Shape 89"/>
+        <p:cNvPr id="106" name="Shape 106"/>
         <p:cNvGrpSpPr/>
         <p:nvPr/>
       </p:nvGrpSpPr>
@@ -8745,7 +10328,7 @@
       </p:grpSpPr>
       <p:sp>
         <p:nvSpPr>
-          <p:cNvPr id="90" name="Google Shape;90;p19"/>
+          <p:cNvPr id="107" name="Google Shape;107;p20"/>
           <p:cNvSpPr txBox="1"/>
           <p:nvPr>
             <p:ph type="title"/>
@@ -8773,188 +10356,40 @@
               <a:spcAft>
                 <a:spcPts val="0"/>
               </a:spcAft>
-              <a:buNone/>
-            </a:pPr>
-            <a:r>
-              <a:rPr lang="en-GB"/>
-              <a:t>Deliverables</a:t>
-            </a:r>
-            <a:endParaRPr/>
+              <a:buClr>
+                <a:schemeClr val="dk1"/>
+              </a:buClr>
+              <a:buSzPct val="39285"/>
+              <a:buFont typeface="Arial"/>
+              <a:buNone/>
+            </a:pPr>
+            <a:r>
+              <a:rPr b="1" lang="en-GB">
+                <a:solidFill>
+                  <a:srgbClr val="6FB457"/>
+                </a:solidFill>
+              </a:rPr>
+              <a:t>Demand </a:t>
+            </a:r>
+            <a:r>
+              <a:rPr b="1" lang="en-GB">
+                <a:solidFill>
+                  <a:srgbClr val="8BC478"/>
+                </a:solidFill>
+              </a:rPr>
+              <a:t>Forecasting</a:t>
+            </a:r>
+            <a:endParaRPr b="1">
+              <a:solidFill>
+                <a:srgbClr val="8BC478"/>
+              </a:solidFill>
+            </a:endParaRPr>
           </a:p>
         </p:txBody>
       </p:sp>
       <p:sp>
         <p:nvSpPr>
-          <p:cNvPr id="91" name="Google Shape;91;p19"/>
-          <p:cNvSpPr txBox="1"/>
-          <p:nvPr>
-            <p:ph idx="1" type="body"/>
-          </p:nvPr>
-        </p:nvSpPr>
-        <p:spPr>
-          <a:xfrm>
-            <a:off x="311700" y="1210275"/>
-            <a:ext cx="8520600" cy="3416400"/>
-          </a:xfrm>
-          <a:prstGeom prst="rect">
-            <a:avLst/>
-          </a:prstGeom>
-        </p:spPr>
-        <p:txBody>
-          <a:bodyPr anchorCtr="0" anchor="t" bIns="91425" lIns="91425" spcFirstLastPara="1" rIns="91425" wrap="square" tIns="91425">
-            <a:normAutofit/>
-          </a:bodyPr>
-          <a:lstStyle/>
-          <a:p>
-            <a:pPr indent="0" lvl="0" marL="0" rtl="0" algn="l">
-              <a:spcBef>
-                <a:spcPts val="0"/>
-              </a:spcBef>
-              <a:spcAft>
-                <a:spcPts val="0"/>
-              </a:spcAft>
-              <a:buNone/>
-            </a:pPr>
-            <a:r>
-              <a:rPr lang="en-GB"/>
-              <a:t>App - Grocery Stores / Vendors</a:t>
-            </a:r>
-            <a:endParaRPr/>
-          </a:p>
-          <a:p>
-            <a:pPr indent="0" lvl="0" marL="0" rtl="0" algn="l">
-              <a:spcBef>
-                <a:spcPts val="1200"/>
-              </a:spcBef>
-              <a:spcAft>
-                <a:spcPts val="0"/>
-              </a:spcAft>
-              <a:buNone/>
-            </a:pPr>
-            <a:r>
-              <a:rPr lang="en-GB"/>
-              <a:t>Website - Admin Portal</a:t>
-            </a:r>
-            <a:endParaRPr/>
-          </a:p>
-          <a:p>
-            <a:pPr indent="0" lvl="0" marL="0" rtl="0" algn="l">
-              <a:spcBef>
-                <a:spcPts val="1200"/>
-              </a:spcBef>
-              <a:spcAft>
-                <a:spcPts val="0"/>
-              </a:spcAft>
-              <a:buNone/>
-            </a:pPr>
-            <a:r>
-              <a:rPr lang="en-GB"/>
-              <a:t>ML Model - Demand Forecasting</a:t>
-            </a:r>
-            <a:endParaRPr/>
-          </a:p>
-          <a:p>
-            <a:pPr indent="0" lvl="0" marL="0" rtl="0" algn="l">
-              <a:spcBef>
-                <a:spcPts val="1200"/>
-              </a:spcBef>
-              <a:spcAft>
-                <a:spcPts val="0"/>
-              </a:spcAft>
-              <a:buNone/>
-            </a:pPr>
-            <a:r>
-              <a:rPr lang="en-GB"/>
-              <a:t>REST API - Frontend &amp; Backend Communication</a:t>
-            </a:r>
-            <a:endParaRPr/>
-          </a:p>
-          <a:p>
-            <a:pPr indent="0" lvl="0" marL="0" rtl="0" algn="l">
-              <a:spcBef>
-                <a:spcPts val="1200"/>
-              </a:spcBef>
-              <a:spcAft>
-                <a:spcPts val="1200"/>
-              </a:spcAft>
-              <a:buNone/>
-            </a:pPr>
-            <a:r>
-              <a:rPr lang="en-GB"/>
-              <a:t>Database - Data Storage</a:t>
-            </a:r>
-            <a:endParaRPr/>
-          </a:p>
-        </p:txBody>
-      </p:sp>
-    </p:spTree>
-  </p:cSld>
-  <p:clrMapOvr>
-    <a:masterClrMapping/>
-  </p:clrMapOvr>
-</p:sld>
-</file>
-
-<file path=ppt/slides/slide8.xml><?xml version="1.0" encoding="utf-8"?>
-<p:sld xmlns:a="http://schemas.openxmlformats.org/drawingml/2006/main" xmlns:r="http://schemas.openxmlformats.org/officeDocument/2006/relationships" xmlns:mc="http://schemas.openxmlformats.org/markup-compatibility/2006" xmlns:mv="urn:schemas-microsoft-com:mac:vml" xmlns:p="http://schemas.openxmlformats.org/presentationml/2006/main" xmlns:c="http://schemas.openxmlformats.org/drawingml/2006/chart" xmlns:dgm="http://schemas.openxmlformats.org/drawingml/2006/diagram" xmlns:o="urn:schemas-microsoft-com:office:office" xmlns:v="urn:schemas-microsoft-com:vml" xmlns:pvml="urn:schemas-microsoft-com:office:powerpoint" xmlns:com="http://schemas.openxmlformats.org/drawingml/2006/compatibility" xmlns:p14="http://schemas.microsoft.com/office/powerpoint/2010/main" xmlns:p15="http://schemas.microsoft.com/office/powerpoint/2012/main" xmlns:ahyp="http://schemas.microsoft.com/office/drawing/2018/hyperlinkcolor">
-  <p:cSld>
-    <p:spTree>
-      <p:nvGrpSpPr>
-        <p:cNvPr id="95" name="Shape 95"/>
-        <p:cNvGrpSpPr/>
-        <p:nvPr/>
-      </p:nvGrpSpPr>
-      <p:grpSpPr>
-        <a:xfrm>
-          <a:off x="0" y="0"/>
-          <a:ext cx="0" cy="0"/>
-          <a:chOff x="0" y="0"/>
-          <a:chExt cx="0" cy="0"/>
-        </a:xfrm>
-      </p:grpSpPr>
-      <p:sp>
-        <p:nvSpPr>
-          <p:cNvPr id="96" name="Google Shape;96;p20"/>
-          <p:cNvSpPr txBox="1"/>
-          <p:nvPr>
-            <p:ph type="title"/>
-          </p:nvPr>
-        </p:nvSpPr>
-        <p:spPr>
-          <a:xfrm>
-            <a:off x="311700" y="445025"/>
-            <a:ext cx="8520600" cy="572700"/>
-          </a:xfrm>
-          <a:prstGeom prst="rect">
-            <a:avLst/>
-          </a:prstGeom>
-        </p:spPr>
-        <p:txBody>
-          <a:bodyPr anchorCtr="0" anchor="t" bIns="91425" lIns="91425" spcFirstLastPara="1" rIns="91425" wrap="square" tIns="91425">
-            <a:normAutofit fontScale="90000"/>
-          </a:bodyPr>
-          <a:lstStyle/>
-          <a:p>
-            <a:pPr indent="0" lvl="0" marL="0" rtl="0" algn="l">
-              <a:spcBef>
-                <a:spcPts val="0"/>
-              </a:spcBef>
-              <a:spcAft>
-                <a:spcPts val="0"/>
-              </a:spcAft>
-              <a:buNone/>
-            </a:pPr>
-            <a:r>
-              <a:rPr lang="en-GB"/>
-              <a:t>Technologies</a:t>
-            </a:r>
-            <a:endParaRPr/>
-          </a:p>
-        </p:txBody>
-      </p:sp>
-      <p:sp>
-        <p:nvSpPr>
-          <p:cNvPr id="97" name="Google Shape;97;p20"/>
+          <p:cNvPr id="108" name="Google Shape;108;p20"/>
           <p:cNvSpPr txBox="1"/>
           <p:nvPr>
             <p:ph idx="1" type="body"/>
@@ -8963,7 +10398,7 @@
         <p:spPr>
           <a:xfrm>
             <a:off x="311700" y="1152475"/>
-            <a:ext cx="8520600" cy="3416400"/>
+            <a:ext cx="4260300" cy="3416400"/>
           </a:xfrm>
           <a:prstGeom prst="rect">
             <a:avLst/>
@@ -8971,7 +10406,7 @@
         </p:spPr>
         <p:txBody>
           <a:bodyPr anchorCtr="0" anchor="t" bIns="91425" lIns="91425" spcFirstLastPara="1" rIns="91425" wrap="square" tIns="91425">
-            <a:normAutofit lnSpcReduction="20000"/>
+            <a:normAutofit lnSpcReduction="10000"/>
           </a:bodyPr>
           <a:lstStyle/>
           <a:p>
@@ -8982,11 +10417,41 @@
               <a:spcAft>
                 <a:spcPts val="0"/>
               </a:spcAft>
+              <a:buClr>
+                <a:schemeClr val="dk1"/>
+              </a:buClr>
+              <a:buSzPts val="1100"/>
+              <a:buFont typeface="Arial"/>
               <a:buNone/>
             </a:pPr>
             <a:r>
               <a:rPr lang="en-GB"/>
-              <a:t>Programming Languages:</a:t>
+              <a:t>Data Collection </a:t>
+            </a:r>
+            <a:endParaRPr/>
+          </a:p>
+          <a:p>
+            <a:pPr indent="0" lvl="0" marL="0" rtl="0" algn="l">
+              <a:spcBef>
+                <a:spcPts val="1200"/>
+              </a:spcBef>
+              <a:spcAft>
+                <a:spcPts val="0"/>
+              </a:spcAft>
+              <a:buClr>
+                <a:schemeClr val="dk1"/>
+              </a:buClr>
+              <a:buSzPts val="1100"/>
+              <a:buFont typeface="Arial"/>
+              <a:buNone/>
+            </a:pPr>
+            <a:r>
+              <a:rPr lang="en-GB"/>
+              <a:t>Cleaning and Feature Engineering</a:t>
+            </a:r>
+            <a:r>
+              <a:rPr lang="en-GB"/>
+              <a:t>:</a:t>
             </a:r>
             <a:endParaRPr/>
           </a:p>
@@ -9003,7 +10468,7 @@
             </a:pPr>
             <a:r>
               <a:rPr lang="en-GB"/>
-              <a:t>Python</a:t>
+              <a:t>Demand Trends</a:t>
             </a:r>
             <a:endParaRPr/>
           </a:p>
@@ -9020,41 +10485,49 @@
             </a:pPr>
             <a:r>
               <a:rPr lang="en-GB"/>
-              <a:t>Java</a:t>
-            </a:r>
-            <a:endParaRPr/>
-          </a:p>
-          <a:p>
-            <a:pPr indent="-342900" lvl="0" marL="457200" rtl="0" algn="l">
-              <a:spcBef>
-                <a:spcPts val="0"/>
-              </a:spcBef>
-              <a:spcAft>
-                <a:spcPts val="0"/>
-              </a:spcAft>
-              <a:buSzPts val="1800"/>
-              <a:buChar char="●"/>
+              <a:t>Factors i.e. Holidays, Weather, Traffic, and Housing Prices</a:t>
+            </a:r>
+            <a:endParaRPr/>
+          </a:p>
+          <a:p>
+            <a:pPr indent="0" lvl="0" marL="0" rtl="0" algn="l">
+              <a:spcBef>
+                <a:spcPts val="1200"/>
+              </a:spcBef>
+              <a:spcAft>
+                <a:spcPts val="0"/>
+              </a:spcAft>
+              <a:buClr>
+                <a:schemeClr val="dk1"/>
+              </a:buClr>
+              <a:buSzPts val="1100"/>
+              <a:buFont typeface="Arial"/>
+              <a:buNone/>
             </a:pPr>
             <a:r>
               <a:rPr lang="en-GB"/>
-              <a:t>JavaScript</a:t>
-            </a:r>
-            <a:endParaRPr/>
-          </a:p>
-          <a:p>
-            <a:pPr indent="-342900" lvl="0" marL="457200" rtl="0" algn="l">
-              <a:spcBef>
-                <a:spcPts val="0"/>
-              </a:spcBef>
-              <a:spcAft>
-                <a:spcPts val="0"/>
-              </a:spcAft>
-              <a:buSzPts val="1800"/>
-              <a:buChar char="●"/>
+              <a:t>Machine Learning</a:t>
+            </a:r>
+            <a:endParaRPr/>
+          </a:p>
+          <a:p>
+            <a:pPr indent="0" lvl="0" marL="0" rtl="0" algn="l">
+              <a:spcBef>
+                <a:spcPts val="1200"/>
+              </a:spcBef>
+              <a:spcAft>
+                <a:spcPts val="0"/>
+              </a:spcAft>
+              <a:buClr>
+                <a:schemeClr val="dk1"/>
+              </a:buClr>
+              <a:buSzPts val="1100"/>
+              <a:buFont typeface="Arial"/>
+              <a:buNone/>
             </a:pPr>
             <a:r>
               <a:rPr lang="en-GB"/>
-              <a:t>Dart </a:t>
+              <a:t>Neural Networks and Deep Learning</a:t>
             </a:r>
             <a:endParaRPr/>
           </a:p>
@@ -9064,63 +10537,95 @@
                 <a:spcPts val="1200"/>
               </a:spcBef>
               <a:spcAft>
-                <a:spcPts val="0"/>
-              </a:spcAft>
+                <a:spcPts val="1200"/>
+              </a:spcAft>
+              <a:buClr>
+                <a:schemeClr val="dk1"/>
+              </a:buClr>
+              <a:buSzPts val="1100"/>
+              <a:buFont typeface="Arial"/>
               <a:buNone/>
             </a:pPr>
             <a:r>
               <a:rPr lang="en-GB"/>
-              <a:t>Data Storage:</a:t>
-            </a:r>
-            <a:endParaRPr/>
-          </a:p>
-          <a:p>
-            <a:pPr indent="-342900" lvl="0" marL="457200" rtl="0" algn="l">
-              <a:spcBef>
-                <a:spcPts val="1200"/>
-              </a:spcBef>
-              <a:spcAft>
-                <a:spcPts val="0"/>
-              </a:spcAft>
-              <a:buSzPts val="1800"/>
-              <a:buChar char="●"/>
-            </a:pPr>
-            <a:r>
-              <a:rPr lang="en-GB"/>
-              <a:t>MySQL</a:t>
-            </a:r>
-            <a:endParaRPr/>
-          </a:p>
-          <a:p>
-            <a:pPr indent="0" lvl="0" marL="0" rtl="0" algn="l">
-              <a:spcBef>
-                <a:spcPts val="1200"/>
-              </a:spcBef>
-              <a:spcAft>
-                <a:spcPts val="0"/>
-              </a:spcAft>
-              <a:buNone/>
-            </a:pPr>
-            <a:r>
-              <a:rPr lang="en-GB"/>
-              <a:t>Cloud Services:</a:t>
-            </a:r>
-            <a:endParaRPr/>
-          </a:p>
-          <a:p>
-            <a:pPr indent="-342900" lvl="0" marL="457200" rtl="0" algn="l">
-              <a:spcBef>
-                <a:spcPts val="1200"/>
-              </a:spcBef>
-              <a:spcAft>
-                <a:spcPts val="0"/>
-              </a:spcAft>
-              <a:buSzPts val="1800"/>
-              <a:buChar char="●"/>
-            </a:pPr>
-            <a:r>
-              <a:rPr lang="en-GB"/>
-              <a:t>Amazon Web Services</a:t>
+              <a:t>Order Recommendation</a:t>
+            </a:r>
+            <a:endParaRPr/>
+          </a:p>
+        </p:txBody>
+      </p:sp>
+      <p:pic>
+        <p:nvPicPr>
+          <p:cNvPr id="109" name="Google Shape;109;p20"/>
+          <p:cNvPicPr preferRelativeResize="0"/>
+          <p:nvPr/>
+        </p:nvPicPr>
+        <p:blipFill>
+          <a:blip r:embed="rId3">
+            <a:alphaModFix/>
+          </a:blip>
+          <a:stretch>
+            <a:fillRect/>
+          </a:stretch>
+        </p:blipFill>
+        <p:spPr>
+          <a:xfrm>
+            <a:off x="5742641" y="0"/>
+            <a:ext cx="2893219" cy="5143501"/>
+          </a:xfrm>
+          <a:prstGeom prst="rect">
+            <a:avLst/>
+          </a:prstGeom>
+          <a:noFill/>
+          <a:ln>
+            <a:noFill/>
+          </a:ln>
+        </p:spPr>
+      </p:pic>
+      <p:sp>
+        <p:nvSpPr>
+          <p:cNvPr id="110" name="Google Shape;110;p20"/>
+          <p:cNvSpPr/>
+          <p:nvPr/>
+        </p:nvSpPr>
+        <p:spPr>
+          <a:xfrm>
+            <a:off x="8452675" y="0"/>
+            <a:ext cx="309900" cy="5143500"/>
+          </a:xfrm>
+          <a:prstGeom prst="rect">
+            <a:avLst/>
+          </a:prstGeom>
+          <a:solidFill>
+            <a:schemeClr val="lt1"/>
+          </a:solidFill>
+          <a:ln cap="flat" cmpd="sng" w="9525">
+            <a:solidFill>
+              <a:schemeClr val="lt1"/>
+            </a:solidFill>
+            <a:prstDash val="solid"/>
+            <a:round/>
+            <a:headEnd len="sm" w="sm" type="none"/>
+            <a:tailEnd len="sm" w="sm" type="none"/>
+          </a:ln>
+        </p:spPr>
+        <p:txBody>
+          <a:bodyPr anchorCtr="0" anchor="ctr" bIns="91425" lIns="91425" spcFirstLastPara="1" rIns="91425" wrap="square" tIns="91425">
+            <a:noAutofit/>
+          </a:bodyPr>
+          <a:lstStyle/>
+          <a:p>
+            <a:pPr indent="0" lvl="0" marL="0" rtl="0" algn="ctr">
+              <a:spcBef>
+                <a:spcPts val="0"/>
+              </a:spcBef>
+              <a:spcAft>
+                <a:spcPts val="0"/>
+              </a:spcAft>
+              <a:buNone/>
+            </a:pPr>
+            <a:r>
+              <a:t/>
             </a:r>
             <a:endParaRPr/>
           </a:p>
@@ -9139,7 +10644,7 @@
   <p:cSld>
     <p:spTree>
       <p:nvGrpSpPr>
-        <p:cNvPr id="101" name="Shape 101"/>
+        <p:cNvPr id="114" name="Shape 114"/>
         <p:cNvGrpSpPr/>
         <p:nvPr/>
       </p:nvGrpSpPr>
@@ -9153,7 +10658,7 @@
       </p:grpSpPr>
       <p:sp>
         <p:nvSpPr>
-          <p:cNvPr id="102" name="Google Shape;102;p21"/>
+          <p:cNvPr id="115" name="Google Shape;115;p21"/>
           <p:cNvSpPr txBox="1"/>
           <p:nvPr>
             <p:ph type="title"/>
@@ -9161,7 +10666,7 @@
         </p:nvSpPr>
         <p:spPr>
           <a:xfrm>
-            <a:off x="311700" y="445025"/>
+            <a:off x="311700" y="434475"/>
             <a:ext cx="8520600" cy="572700"/>
           </a:xfrm>
           <a:prstGeom prst="rect">
@@ -9184,16 +10689,32 @@
               <a:buNone/>
             </a:pPr>
             <a:r>
-              <a:rPr lang="en-GB"/>
-              <a:t>Technologies</a:t>
-            </a:r>
-            <a:endParaRPr/>
+              <a:rPr b="1" lang="en-GB">
+                <a:solidFill>
+                  <a:srgbClr val="6FB457"/>
+                </a:solidFill>
+              </a:rPr>
+              <a:t>Order Placement </a:t>
+            </a:r>
+            <a:r>
+              <a:rPr b="1" lang="en-GB">
+                <a:solidFill>
+                  <a:srgbClr val="8BC478"/>
+                </a:solidFill>
+              </a:rPr>
+              <a:t>and Tracking</a:t>
+            </a:r>
+            <a:endParaRPr b="1">
+              <a:solidFill>
+                <a:srgbClr val="8BC478"/>
+              </a:solidFill>
+            </a:endParaRPr>
           </a:p>
         </p:txBody>
       </p:sp>
       <p:sp>
         <p:nvSpPr>
-          <p:cNvPr id="103" name="Google Shape;103;p21"/>
+          <p:cNvPr id="116" name="Google Shape;116;p21"/>
           <p:cNvSpPr txBox="1"/>
           <p:nvPr>
             <p:ph idx="1" type="body"/>
@@ -9221,32 +10742,11 @@
               <a:spcAft>
                 <a:spcPts val="0"/>
               </a:spcAft>
-              <a:buClr>
-                <a:schemeClr val="dk1"/>
-              </a:buClr>
-              <a:buSzPts val="1100"/>
-              <a:buFont typeface="Arial"/>
               <a:buNone/>
             </a:pPr>
             <a:r>
               <a:rPr lang="en-GB"/>
-              <a:t>Web Development:</a:t>
-            </a:r>
-            <a:endParaRPr/>
-          </a:p>
-          <a:p>
-            <a:pPr indent="0" lvl="0" marL="0" rtl="0" algn="l">
-              <a:spcBef>
-                <a:spcPts val="1200"/>
-              </a:spcBef>
-              <a:spcAft>
-                <a:spcPts val="0"/>
-              </a:spcAft>
-              <a:buNone/>
-            </a:pPr>
-            <a:r>
-              <a:rPr lang="en-GB"/>
-              <a:t>Front-End</a:t>
+              <a:t>Order Placement</a:t>
             </a:r>
             <a:endParaRPr/>
           </a:p>
@@ -9263,30 +10763,14 @@
             </a:pPr>
             <a:r>
               <a:rPr lang="en-GB"/>
-              <a:t>React</a:t>
-            </a:r>
-            <a:endParaRPr/>
-          </a:p>
-          <a:p>
-            <a:pPr indent="0" lvl="0" marL="0" rtl="0" algn="l">
-              <a:spcBef>
-                <a:spcPts val="1200"/>
-              </a:spcBef>
-              <a:spcAft>
-                <a:spcPts val="0"/>
-              </a:spcAft>
-              <a:buNone/>
-            </a:pPr>
-            <a:r>
-              <a:rPr lang="en-GB"/>
-              <a:t>Back-End</a:t>
+              <a:t>Vendor Selection</a:t>
             </a:r>
             <a:endParaRPr/>
           </a:p>
           <a:p>
             <a:pPr indent="-342900" lvl="0" marL="457200" rtl="0" algn="l">
               <a:spcBef>
-                <a:spcPts val="1200"/>
+                <a:spcPts val="0"/>
               </a:spcBef>
               <a:spcAft>
                 <a:spcPts val="0"/>
@@ -9296,30 +10780,14 @@
             </a:pPr>
             <a:r>
               <a:rPr lang="en-GB"/>
-              <a:t>Spring Boot </a:t>
-            </a:r>
-            <a:endParaRPr/>
-          </a:p>
-          <a:p>
-            <a:pPr indent="0" lvl="0" marL="0" rtl="0" algn="l">
-              <a:spcBef>
-                <a:spcPts val="1200"/>
-              </a:spcBef>
-              <a:spcAft>
-                <a:spcPts val="0"/>
-              </a:spcAft>
-              <a:buNone/>
-            </a:pPr>
-            <a:r>
-              <a:rPr lang="en-GB"/>
-              <a:t>Mobile Development:</a:t>
+              <a:t>Product Selection</a:t>
             </a:r>
             <a:endParaRPr/>
           </a:p>
           <a:p>
             <a:pPr indent="-342900" lvl="0" marL="457200" rtl="0" algn="l">
               <a:spcBef>
-                <a:spcPts val="1200"/>
+                <a:spcPts val="0"/>
               </a:spcBef>
               <a:spcAft>
                 <a:spcPts val="0"/>
@@ -9329,7 +10797,142 @@
             </a:pPr>
             <a:r>
               <a:rPr lang="en-GB"/>
-              <a:t>Flutter</a:t>
+              <a:t>Quantity Selection</a:t>
+            </a:r>
+            <a:endParaRPr/>
+          </a:p>
+          <a:p>
+            <a:pPr indent="0" lvl="0" marL="0" rtl="0" algn="l">
+              <a:spcBef>
+                <a:spcPts val="1200"/>
+              </a:spcBef>
+              <a:spcAft>
+                <a:spcPts val="0"/>
+              </a:spcAft>
+              <a:buNone/>
+            </a:pPr>
+            <a:r>
+              <a:rPr lang="en-GB"/>
+              <a:t>Order Tracking</a:t>
+            </a:r>
+            <a:endParaRPr/>
+          </a:p>
+          <a:p>
+            <a:pPr indent="-342900" lvl="0" marL="457200" rtl="0" algn="l">
+              <a:spcBef>
+                <a:spcPts val="1200"/>
+              </a:spcBef>
+              <a:spcAft>
+                <a:spcPts val="0"/>
+              </a:spcAft>
+              <a:buSzPts val="1800"/>
+              <a:buChar char="●"/>
+            </a:pPr>
+            <a:r>
+              <a:rPr lang="en-GB"/>
+              <a:t>Order Queue</a:t>
+            </a:r>
+            <a:endParaRPr/>
+          </a:p>
+          <a:p>
+            <a:pPr indent="-342900" lvl="0" marL="457200" rtl="0" algn="l">
+              <a:spcBef>
+                <a:spcPts val="0"/>
+              </a:spcBef>
+              <a:spcAft>
+                <a:spcPts val="0"/>
+              </a:spcAft>
+              <a:buSzPts val="1800"/>
+              <a:buChar char="●"/>
+            </a:pPr>
+            <a:r>
+              <a:rPr lang="en-GB"/>
+              <a:t>Live </a:t>
+            </a:r>
+            <a:r>
+              <a:rPr lang="en-GB"/>
+              <a:t>Delivery</a:t>
+            </a:r>
+            <a:r>
+              <a:rPr lang="en-GB"/>
+              <a:t> Tracking</a:t>
+            </a:r>
+            <a:endParaRPr/>
+          </a:p>
+        </p:txBody>
+      </p:sp>
+      <p:pic>
+        <p:nvPicPr>
+          <p:cNvPr id="117" name="Google Shape;117;p21"/>
+          <p:cNvPicPr preferRelativeResize="0"/>
+          <p:nvPr/>
+        </p:nvPicPr>
+        <p:blipFill>
+          <a:blip r:embed="rId3">
+            <a:alphaModFix/>
+          </a:blip>
+          <a:stretch>
+            <a:fillRect/>
+          </a:stretch>
+        </p:blipFill>
+        <p:spPr>
+          <a:xfrm>
+            <a:off x="5742641" y="0"/>
+            <a:ext cx="2893219" cy="5143501"/>
+          </a:xfrm>
+          <a:prstGeom prst="rect">
+            <a:avLst/>
+          </a:prstGeom>
+          <a:noFill/>
+          <a:ln>
+            <a:noFill/>
+          </a:ln>
+        </p:spPr>
+      </p:pic>
+      <p:sp>
+        <p:nvSpPr>
+          <p:cNvPr id="118" name="Google Shape;118;p21"/>
+          <p:cNvSpPr/>
+          <p:nvPr/>
+        </p:nvSpPr>
+        <p:spPr>
+          <a:xfrm>
+            <a:off x="8452675" y="0"/>
+            <a:ext cx="309900" cy="5143500"/>
+          </a:xfrm>
+          <a:prstGeom prst="rect">
+            <a:avLst/>
+          </a:prstGeom>
+          <a:solidFill>
+            <a:schemeClr val="lt1"/>
+          </a:solidFill>
+          <a:ln cap="flat" cmpd="sng" w="9525">
+            <a:solidFill>
+              <a:schemeClr val="lt1"/>
+            </a:solidFill>
+            <a:prstDash val="solid"/>
+            <a:round/>
+            <a:headEnd len="sm" w="sm" type="none"/>
+            <a:tailEnd len="sm" w="sm" type="none"/>
+          </a:ln>
+        </p:spPr>
+        <p:txBody>
+          <a:bodyPr anchorCtr="0" anchor="ctr" bIns="91425" lIns="91425" spcFirstLastPara="1" rIns="91425" wrap="square" tIns="91425">
+            <a:noAutofit/>
+          </a:bodyPr>
+          <a:lstStyle/>
+          <a:p>
+            <a:pPr indent="0" lvl="0" marL="0" rtl="0" algn="ctr">
+              <a:spcBef>
+                <a:spcPts val="0"/>
+              </a:spcBef>
+              <a:spcAft>
+                <a:spcPts val="0"/>
+              </a:spcAft>
+              <a:buNone/>
+            </a:pPr>
+            <a:r>
+              <a:t/>
             </a:r>
             <a:endParaRPr/>
           </a:p>
